--- a/lectures/L2_Kostya_Sirius_Single_Layer_NN.pptx
+++ b/lectures/L2_Kostya_Sirius_Single_Layer_NN.pptx
@@ -4376,11 +4376,7 @@
             </a:br>
             <a:r>
               <a:rPr lang="en-US" sz="2000" dirty="0" smtClean="0"/>
-              <a:t>1. </a:t>
-            </a:r>
-            <a:r>
-              <a:rPr lang="en-US" sz="2000" dirty="0" smtClean="0"/>
-              <a:t>Plot some graphics in Python.</a:t>
+              <a:t>1. Plot some graphics in Python.</a:t>
             </a:r>
             <a:br>
               <a:rPr lang="en-US" sz="2000" dirty="0" smtClean="0"/>
@@ -4464,19 +4460,8 @@
               <a:rPr lang="en-US" sz="2000" dirty="0" smtClean="0"/>
             </a:br>
             <a:r>
-              <a:rPr lang="en-US" sz="2000" dirty="0" smtClean="0"/>
+              <a:rPr lang="en-US" sz="2000" dirty="0"/>
               <a:t/>
-            </a:r>
-            <a:br>
-              <a:rPr lang="en-US" sz="2000" dirty="0" smtClean="0"/>
-            </a:br>
-            <a:r>
-              <a:rPr lang="en-US" sz="2000" dirty="0" smtClean="0"/>
-              <a:t>5. </a:t>
-            </a:r>
-            <a:r>
-              <a:rPr lang="en-US" sz="2000" dirty="0"/>
-              <a:t>Talk about derivatives</a:t>
             </a:r>
             <a:br>
               <a:rPr lang="en-US" sz="2000" dirty="0"/>
@@ -4967,8 +4952,8 @@
           </a:p>
         </p:txBody>
       </p:sp>
-      <mc:AlternateContent xmlns:mc="http://schemas.openxmlformats.org/markup-compatibility/2006">
-        <mc:Choice xmlns:a14="http://schemas.microsoft.com/office/drawing/2010/main" Requires="a14">
+      <mc:AlternateContent xmlns:mc="http://schemas.openxmlformats.org/markup-compatibility/2006" xmlns:a14="http://schemas.microsoft.com/office/drawing/2010/main">
+        <mc:Choice Requires="a14">
           <p:graphicFrame>
             <p:nvGraphicFramePr>
               <p:cNvPr id="5" name="Таблица 4"/>
@@ -4985,7 +4970,7 @@
             </p:nvGraphicFramePr>
             <p:xfrm>
               <a:off x="395536" y="1700808"/>
-              <a:ext cx="8136904" cy="4649749"/>
+              <a:ext cx="8136904" cy="4682769"/>
             </p:xfrm>
             <a:graphic>
               <a:graphicData uri="http://schemas.openxmlformats.org/drawingml/2006/table">
@@ -5147,14 +5132,16 @@
                               <m:r>
                                 <a:rPr lang="en-US" sz="1600">
                                   <a:effectLst/>
+                                  <a:latin typeface="Cambria Math"/>
                                 </a:rPr>
                                 <m:t>𝑠</m:t>
                               </m:r>
                               <m:d>
                                 <m:dPr>
                                   <m:ctrlPr>
-                                    <a:rPr lang="ru-RU" sz="1600">
+                                    <a:rPr lang="ru-RU" sz="1600" i="1">
                                       <a:effectLst/>
+                                      <a:latin typeface="Cambria Math"/>
                                     </a:rPr>
                                   </m:ctrlPr>
                                 </m:dPr>
@@ -5162,6 +5149,7 @@
                                   <m:r>
                                     <a:rPr lang="en-US" sz="1600">
                                       <a:effectLst/>
+                                      <a:latin typeface="Cambria Math"/>
                                     </a:rPr>
                                     <m:t>𝑧</m:t>
                                   </m:r>
@@ -5170,14 +5158,16 @@
                               <m:r>
                                 <a:rPr lang="en-US" sz="1600">
                                   <a:effectLst/>
+                                  <a:latin typeface="Cambria Math"/>
                                 </a:rPr>
                                 <m:t>=</m:t>
                               </m:r>
                               <m:f>
                                 <m:fPr>
                                   <m:ctrlPr>
-                                    <a:rPr lang="ru-RU" sz="1600">
+                                    <a:rPr lang="ru-RU" sz="1600" i="1">
                                       <a:effectLst/>
+                                      <a:latin typeface="Cambria Math"/>
                                     </a:rPr>
                                   </m:ctrlPr>
                                 </m:fPr>
@@ -5185,6 +5175,7 @@
                                   <m:r>
                                     <a:rPr lang="en-US" sz="1600">
                                       <a:effectLst/>
+                                      <a:latin typeface="Cambria Math"/>
                                     </a:rPr>
                                     <m:t>1</m:t>
                                   </m:r>
@@ -5193,14 +5184,16 @@
                                   <m:r>
                                     <a:rPr lang="en-US" sz="1600">
                                       <a:effectLst/>
+                                      <a:latin typeface="Cambria Math"/>
                                     </a:rPr>
                                     <m:t>1+</m:t>
                                   </m:r>
                                   <m:func>
                                     <m:funcPr>
                                       <m:ctrlPr>
-                                        <a:rPr lang="ru-RU" sz="1600">
+                                        <a:rPr lang="ru-RU" sz="1600" i="1">
                                           <a:effectLst/>
+                                          <a:latin typeface="Cambria Math"/>
                                         </a:rPr>
                                       </m:ctrlPr>
                                     </m:funcPr>
@@ -5211,6 +5204,7 @@
                                         </m:rPr>
                                         <a:rPr lang="en-US" sz="1600">
                                           <a:effectLst/>
+                                          <a:latin typeface="Cambria Math"/>
                                         </a:rPr>
                                         <m:t>exp</m:t>
                                       </m:r>
@@ -5219,8 +5213,9 @@
                                       <m:d>
                                         <m:dPr>
                                           <m:ctrlPr>
-                                            <a:rPr lang="ru-RU" sz="1600">
+                                            <a:rPr lang="ru-RU" sz="1600" i="1">
                                               <a:effectLst/>
+                                              <a:latin typeface="Cambria Math"/>
                                             </a:rPr>
                                           </m:ctrlPr>
                                         </m:dPr>
@@ -5228,12 +5223,14 @@
                                           <m:r>
                                             <a:rPr lang="en-US" sz="1600">
                                               <a:effectLst/>
+                                              <a:latin typeface="Cambria Math"/>
                                             </a:rPr>
                                             <m:t>−</m:t>
                                           </m:r>
                                           <m:r>
                                             <a:rPr lang="en-US" sz="1600">
                                               <a:effectLst/>
+                                              <a:latin typeface="Cambria Math"/>
                                             </a:rPr>
                                             <m:t>𝑧</m:t>
                                           </m:r>
@@ -5279,20 +5276,23 @@
                               <m:r>
                                 <a:rPr lang="en-US" sz="1600">
                                   <a:effectLst/>
+                                  <a:latin typeface="Cambria Math"/>
                                 </a:rPr>
                                 <m:t>𝑠</m:t>
                               </m:r>
                               <m:r>
                                 <a:rPr lang="en-US" sz="1600">
                                   <a:effectLst/>
+                                  <a:latin typeface="Cambria Math"/>
                                 </a:rPr>
                                 <m:t>′</m:t>
                               </m:r>
                               <m:d>
                                 <m:dPr>
                                   <m:ctrlPr>
-                                    <a:rPr lang="ru-RU" sz="1600">
+                                    <a:rPr lang="ru-RU" sz="1600" i="1">
                                       <a:effectLst/>
+                                      <a:latin typeface="Cambria Math"/>
                                     </a:rPr>
                                   </m:ctrlPr>
                                 </m:dPr>
@@ -5300,6 +5300,7 @@
                                   <m:r>
                                     <a:rPr lang="en-US" sz="1600">
                                       <a:effectLst/>
+                                      <a:latin typeface="Cambria Math"/>
                                     </a:rPr>
                                     <m:t>𝑧</m:t>
                                   </m:r>
@@ -5308,54 +5309,63 @@
                               <m:r>
                                 <a:rPr lang="en-US" sz="1600">
                                   <a:effectLst/>
+                                  <a:latin typeface="Cambria Math"/>
                                 </a:rPr>
                                 <m:t>=</m:t>
                               </m:r>
                               <m:r>
                                 <a:rPr lang="en-US" sz="1600">
                                   <a:effectLst/>
+                                  <a:latin typeface="Cambria Math"/>
                                 </a:rPr>
                                 <m:t>𝑠</m:t>
                               </m:r>
                               <m:r>
                                 <a:rPr lang="en-US" sz="1600">
                                   <a:effectLst/>
+                                  <a:latin typeface="Cambria Math"/>
                                 </a:rPr>
                                 <m:t>(</m:t>
                               </m:r>
                               <m:r>
                                 <a:rPr lang="en-US" sz="1600">
                                   <a:effectLst/>
+                                  <a:latin typeface="Cambria Math"/>
                                 </a:rPr>
                                 <m:t>𝑧</m:t>
                               </m:r>
                               <m:r>
                                 <a:rPr lang="en-US" sz="1600">
                                   <a:effectLst/>
+                                  <a:latin typeface="Cambria Math"/>
                                 </a:rPr>
                                 <m:t>)(1−</m:t>
                               </m:r>
                               <m:r>
                                 <a:rPr lang="en-US" sz="1600">
                                   <a:effectLst/>
+                                  <a:latin typeface="Cambria Math"/>
                                 </a:rPr>
                                 <m:t>𝑠</m:t>
                               </m:r>
                               <m:r>
                                 <a:rPr lang="en-US" sz="1600">
                                   <a:effectLst/>
+                                  <a:latin typeface="Cambria Math"/>
                                 </a:rPr>
                                 <m:t>(</m:t>
                               </m:r>
                               <m:r>
                                 <a:rPr lang="en-US" sz="1600">
                                   <a:effectLst/>
+                                  <a:latin typeface="Cambria Math"/>
                                 </a:rPr>
                                 <m:t>𝑧</m:t>
                               </m:r>
                               <m:r>
                                 <a:rPr lang="en-US" sz="1600">
                                   <a:effectLst/>
+                                  <a:latin typeface="Cambria Math"/>
                                 </a:rPr>
                                 <m:t>))</m:t>
                               </m:r>
@@ -5426,14 +5436,16 @@
                               <m:r>
                                 <a:rPr lang="en-US" sz="1600">
                                   <a:effectLst/>
+                                  <a:latin typeface="Cambria Math"/>
                                 </a:rPr>
                                 <m:t>𝑠</m:t>
                               </m:r>
                               <m:d>
                                 <m:dPr>
                                   <m:ctrlPr>
-                                    <a:rPr lang="ru-RU" sz="1600">
+                                    <a:rPr lang="ru-RU" sz="1600" i="1">
                                       <a:effectLst/>
+                                      <a:latin typeface="Cambria Math"/>
                                     </a:rPr>
                                   </m:ctrlPr>
                                 </m:dPr>
@@ -5441,6 +5453,7 @@
                                   <m:r>
                                     <a:rPr lang="en-US" sz="1600">
                                       <a:effectLst/>
+                                      <a:latin typeface="Cambria Math"/>
                                     </a:rPr>
                                     <m:t>𝑧</m:t>
                                   </m:r>
@@ -5449,12 +5462,14 @@
                               <m:r>
                                 <a:rPr lang="en-US" sz="1600">
                                   <a:effectLst/>
+                                  <a:latin typeface="Cambria Math"/>
                                 </a:rPr>
                                 <m:t>=</m:t>
                               </m:r>
                               <m:r>
                                 <a:rPr lang="en-US" sz="1600">
                                   <a:effectLst/>
+                                  <a:latin typeface="Cambria Math"/>
                                 </a:rPr>
                                 <m:t>𝑧</m:t>
                               </m:r>
@@ -5494,20 +5509,23 @@
                               <m:r>
                                 <a:rPr lang="en-US" sz="1600">
                                   <a:effectLst/>
+                                  <a:latin typeface="Cambria Math"/>
                                 </a:rPr>
                                 <m:t>𝑠</m:t>
                               </m:r>
                               <m:r>
                                 <a:rPr lang="en-US" sz="1600">
                                   <a:effectLst/>
+                                  <a:latin typeface="Cambria Math"/>
                                 </a:rPr>
                                 <m:t>′</m:t>
                               </m:r>
                               <m:d>
                                 <m:dPr>
                                   <m:ctrlPr>
-                                    <a:rPr lang="ru-RU" sz="1600">
+                                    <a:rPr lang="ru-RU" sz="1600" i="1">
                                       <a:effectLst/>
+                                      <a:latin typeface="Cambria Math"/>
                                     </a:rPr>
                                   </m:ctrlPr>
                                 </m:dPr>
@@ -5515,6 +5533,7 @@
                                   <m:r>
                                     <a:rPr lang="en-US" sz="1600">
                                       <a:effectLst/>
+                                      <a:latin typeface="Cambria Math"/>
                                     </a:rPr>
                                     <m:t>𝑧</m:t>
                                   </m:r>
@@ -5523,6 +5542,7 @@
                               <m:r>
                                 <a:rPr lang="en-US" sz="1600">
                                   <a:effectLst/>
+                                  <a:latin typeface="Cambria Math"/>
                                 </a:rPr>
                                 <m:t>=1</m:t>
                               </m:r>
@@ -5593,14 +5613,16 @@
                               <m:r>
                                 <a:rPr lang="en-US" sz="1600">
                                   <a:effectLst/>
+                                  <a:latin typeface="Cambria Math"/>
                                 </a:rPr>
                                 <m:t>𝑠</m:t>
                               </m:r>
                               <m:d>
                                 <m:dPr>
                                   <m:ctrlPr>
-                                    <a:rPr lang="ru-RU" sz="1600">
+                                    <a:rPr lang="ru-RU" sz="1600" i="1">
                                       <a:effectLst/>
+                                      <a:latin typeface="Cambria Math"/>
                                     </a:rPr>
                                   </m:ctrlPr>
                                 </m:dPr>
@@ -5608,6 +5630,7 @@
                                   <m:r>
                                     <a:rPr lang="en-US" sz="1600">
                                       <a:effectLst/>
+                                      <a:latin typeface="Cambria Math"/>
                                     </a:rPr>
                                     <m:t>𝑧</m:t>
                                   </m:r>
@@ -5616,6 +5639,7 @@
                               <m:r>
                                 <a:rPr lang="en-US" sz="1600">
                                   <a:effectLst/>
+                                  <a:latin typeface="Cambria Math"/>
                                 </a:rPr>
                                 <m:t>=</m:t>
                               </m:r>
@@ -5625,24 +5649,28 @@
                                 </m:rPr>
                                 <a:rPr lang="en-US" sz="1600">
                                   <a:effectLst/>
+                                  <a:latin typeface="Cambria Math"/>
                                 </a:rPr>
                                 <m:t>max</m:t>
                               </m:r>
                               <m:r>
                                 <a:rPr lang="en-US" sz="1600">
                                   <a:effectLst/>
+                                  <a:latin typeface="Cambria Math"/>
                                 </a:rPr>
                                 <m:t>⁡(0,</m:t>
                               </m:r>
                               <m:r>
                                 <a:rPr lang="en-US" sz="1600">
                                   <a:effectLst/>
+                                  <a:latin typeface="Cambria Math"/>
                                 </a:rPr>
                                 <m:t>𝑧</m:t>
                               </m:r>
                               <m:r>
                                 <a:rPr lang="en-US" sz="1600">
                                   <a:effectLst/>
+                                  <a:latin typeface="Cambria Math"/>
                                 </a:rPr>
                                 <m:t>)</m:t>
                               </m:r>
@@ -5686,20 +5714,23 @@
                                 <m:r>
                                   <a:rPr lang="en-US" sz="1600" smtClean="0">
                                     <a:effectLst/>
+                                    <a:latin typeface="Cambria Math"/>
                                   </a:rPr>
                                   <m:t>𝑠</m:t>
                                 </m:r>
                                 <m:r>
                                   <a:rPr lang="en-US" sz="1600" smtClean="0">
                                     <a:effectLst/>
+                                    <a:latin typeface="Cambria Math"/>
                                   </a:rPr>
                                   <m:t>′</m:t>
                                 </m:r>
                                 <m:d>
                                   <m:dPr>
                                     <m:ctrlPr>
-                                      <a:rPr lang="ru-RU" sz="1600">
+                                      <a:rPr lang="ru-RU" sz="1600" i="1">
                                         <a:effectLst/>
+                                        <a:latin typeface="Cambria Math"/>
                                       </a:rPr>
                                     </m:ctrlPr>
                                   </m:dPr>
@@ -5707,6 +5738,7 @@
                                     <m:r>
                                       <a:rPr lang="en-US" sz="1600">
                                         <a:effectLst/>
+                                        <a:latin typeface="Cambria Math"/>
                                       </a:rPr>
                                       <m:t>𝑧</m:t>
                                     </m:r>
@@ -5715,6 +5747,7 @@
                                 <m:r>
                                   <a:rPr lang="en-US" sz="1600">
                                     <a:effectLst/>
+                                    <a:latin typeface="Cambria Math"/>
                                   </a:rPr>
                                   <m:t>=</m:t>
                                 </m:r>
@@ -5723,8 +5756,9 @@
                                     <m:begChr m:val="{"/>
                                     <m:endChr m:val=""/>
                                     <m:ctrlPr>
-                                      <a:rPr lang="ru-RU" sz="1600">
+                                      <a:rPr lang="ru-RU" sz="1600" i="1">
                                         <a:effectLst/>
+                                        <a:latin typeface="Cambria Math"/>
                                       </a:rPr>
                                     </m:ctrlPr>
                                   </m:dPr>
@@ -5732,8 +5766,9 @@
                                     <m:eqArr>
                                       <m:eqArrPr>
                                         <m:ctrlPr>
-                                          <a:rPr lang="ru-RU" sz="1600">
+                                          <a:rPr lang="ru-RU" sz="1600" i="1">
                                             <a:effectLst/>
+                                            <a:latin typeface="Cambria Math"/>
                                           </a:rPr>
                                         </m:ctrlPr>
                                       </m:eqArrPr>
@@ -5741,18 +5776,21 @@
                                         <m:r>
                                           <a:rPr lang="en-US" sz="1600">
                                             <a:effectLst/>
+                                            <a:latin typeface="Cambria Math"/>
                                           </a:rPr>
                                           <m:t>1,</m:t>
                                         </m:r>
                                         <m:r>
                                           <a:rPr lang="en-US" sz="1600">
                                             <a:effectLst/>
+                                            <a:latin typeface="Cambria Math"/>
                                           </a:rPr>
                                           <m:t>𝑧</m:t>
                                         </m:r>
                                         <m:r>
                                           <a:rPr lang="en-US" sz="1600">
                                             <a:effectLst/>
+                                            <a:latin typeface="Cambria Math"/>
                                           </a:rPr>
                                           <m:t>&gt;0</m:t>
                                         </m:r>
@@ -5761,18 +5799,21 @@
                                         <m:r>
                                           <a:rPr lang="en-US" sz="1600">
                                             <a:effectLst/>
+                                            <a:latin typeface="Cambria Math"/>
                                           </a:rPr>
                                           <m:t>0,</m:t>
                                         </m:r>
                                         <m:r>
                                           <a:rPr lang="en-US" sz="1600">
                                             <a:effectLst/>
+                                            <a:latin typeface="Cambria Math"/>
                                           </a:rPr>
                                           <m:t>𝑧</m:t>
                                         </m:r>
                                         <m:r>
                                           <a:rPr lang="en-US" sz="1600">
                                             <a:effectLst/>
+                                            <a:latin typeface="Cambria Math"/>
                                           </a:rPr>
                                           <m:t>&lt;0</m:t>
                                         </m:r>
@@ -5808,18 +5849,21 @@
                                         <m:r>
                                           <a:rPr lang="en-US" sz="1600">
                                             <a:effectLst/>
+                                            <a:latin typeface="Cambria Math"/>
                                           </a:rPr>
                                           <m:t>,</m:t>
                                         </m:r>
                                         <m:r>
                                           <a:rPr lang="en-US" sz="1600">
                                             <a:effectLst/>
+                                            <a:latin typeface="Cambria Math"/>
                                           </a:rPr>
                                           <m:t>𝑧</m:t>
                                         </m:r>
                                         <m:r>
                                           <a:rPr lang="en-US" sz="1600">
                                             <a:effectLst/>
+                                            <a:latin typeface="Cambria Math"/>
                                           </a:rPr>
                                           <m:t>=0</m:t>
                                         </m:r>
@@ -5893,14 +5937,16 @@
                                 <m:r>
                                   <a:rPr lang="en-US" sz="1600">
                                     <a:effectLst/>
+                                    <a:latin typeface="Cambria Math"/>
                                   </a:rPr>
                                   <m:t>𝑠</m:t>
                                 </m:r>
                                 <m:d>
                                   <m:dPr>
                                     <m:ctrlPr>
-                                      <a:rPr lang="ru-RU" sz="1600">
+                                      <a:rPr lang="ru-RU" sz="1600" i="1">
                                         <a:effectLst/>
+                                        <a:latin typeface="Cambria Math"/>
                                       </a:rPr>
                                     </m:ctrlPr>
                                   </m:dPr>
@@ -5908,6 +5954,7 @@
                                     <m:r>
                                       <a:rPr lang="en-US" sz="1600">
                                         <a:effectLst/>
+                                        <a:latin typeface="Cambria Math"/>
                                       </a:rPr>
                                       <m:t>𝑧</m:t>
                                     </m:r>
@@ -5916,14 +5963,16 @@
                                 <m:r>
                                   <a:rPr lang="en-US" sz="1600">
                                     <a:effectLst/>
+                                    <a:latin typeface="Cambria Math"/>
                                   </a:rPr>
                                   <m:t>=</m:t>
                                 </m:r>
                                 <m:f>
                                   <m:fPr>
                                     <m:ctrlPr>
-                                      <a:rPr lang="ru-RU" sz="1600">
+                                      <a:rPr lang="ru-RU" sz="1600" i="1">
                                         <a:effectLst/>
+                                        <a:latin typeface="Cambria Math"/>
                                       </a:rPr>
                                     </m:ctrlPr>
                                   </m:fPr>
@@ -5934,24 +5983,28 @@
                                       </m:rPr>
                                       <a:rPr lang="en-US" sz="1600">
                                         <a:effectLst/>
+                                        <a:latin typeface="Cambria Math"/>
                                       </a:rPr>
                                       <m:t>sinh</m:t>
                                     </m:r>
                                     <m:r>
                                       <a:rPr lang="en-US" sz="1600">
                                         <a:effectLst/>
+                                        <a:latin typeface="Cambria Math"/>
                                       </a:rPr>
                                       <m:t>(</m:t>
                                     </m:r>
                                     <m:r>
                                       <a:rPr lang="en-US" sz="1600">
                                         <a:effectLst/>
+                                        <a:latin typeface="Cambria Math"/>
                                       </a:rPr>
                                       <m:t>𝑥</m:t>
                                     </m:r>
                                     <m:r>
                                       <a:rPr lang="en-US" sz="1600">
                                         <a:effectLst/>
+                                        <a:latin typeface="Cambria Math"/>
                                       </a:rPr>
                                       <m:t>)</m:t>
                                     </m:r>
@@ -5963,24 +6016,28 @@
                                       </m:rPr>
                                       <a:rPr lang="en-US" sz="1600">
                                         <a:effectLst/>
+                                        <a:latin typeface="Cambria Math"/>
                                       </a:rPr>
                                       <m:t>cosh</m:t>
                                     </m:r>
                                     <m:r>
                                       <a:rPr lang="en-US" sz="1600">
                                         <a:effectLst/>
+                                        <a:latin typeface="Cambria Math"/>
                                       </a:rPr>
                                       <m:t>(</m:t>
                                     </m:r>
                                     <m:r>
                                       <a:rPr lang="en-US" sz="1600">
                                         <a:effectLst/>
+                                        <a:latin typeface="Cambria Math"/>
                                       </a:rPr>
                                       <m:t>𝑥</m:t>
                                     </m:r>
                                     <m:r>
                                       <a:rPr lang="en-US" sz="1600">
                                         <a:effectLst/>
+                                        <a:latin typeface="Cambria Math"/>
                                       </a:rPr>
                                       <m:t>)</m:t>
                                     </m:r>
@@ -5989,14 +6046,16 @@
                                 <m:r>
                                   <a:rPr lang="en-US" sz="1600">
                                     <a:effectLst/>
+                                    <a:latin typeface="Cambria Math"/>
                                   </a:rPr>
                                   <m:t>=</m:t>
                                 </m:r>
                                 <m:f>
                                   <m:fPr>
                                     <m:ctrlPr>
-                                      <a:rPr lang="ru-RU" sz="1600">
+                                      <a:rPr lang="ru-RU" sz="1600" i="1">
                                         <a:effectLst/>
+                                        <a:latin typeface="Cambria Math"/>
                                       </a:rPr>
                                     </m:ctrlPr>
                                   </m:fPr>
@@ -6004,8 +6063,9 @@
                                     <m:func>
                                       <m:funcPr>
                                         <m:ctrlPr>
-                                          <a:rPr lang="ru-RU" sz="1600">
+                                          <a:rPr lang="ru-RU" sz="1600" i="1">
                                             <a:effectLst/>
+                                            <a:latin typeface="Cambria Math"/>
                                           </a:rPr>
                                         </m:ctrlPr>
                                       </m:funcPr>
@@ -6016,6 +6076,7 @@
                                           </m:rPr>
                                           <a:rPr lang="en-US" sz="1600">
                                             <a:effectLst/>
+                                            <a:latin typeface="Cambria Math"/>
                                           </a:rPr>
                                           <m:t>exp</m:t>
                                         </m:r>
@@ -6024,8 +6085,9 @@
                                         <m:d>
                                           <m:dPr>
                                             <m:ctrlPr>
-                                              <a:rPr lang="ru-RU" sz="1600">
+                                              <a:rPr lang="ru-RU" sz="1600" i="1">
                                                 <a:effectLst/>
+                                                <a:latin typeface="Cambria Math"/>
                                               </a:rPr>
                                             </m:ctrlPr>
                                           </m:dPr>
@@ -6033,6 +6095,7 @@
                                             <m:r>
                                               <a:rPr lang="en-US" sz="1600">
                                                 <a:effectLst/>
+                                                <a:latin typeface="Cambria Math"/>
                                               </a:rPr>
                                               <m:t>𝑥</m:t>
                                             </m:r>
@@ -6043,6 +6106,7 @@
                                     <m:r>
                                       <a:rPr lang="en-US" sz="1600">
                                         <a:effectLst/>
+                                        <a:latin typeface="Cambria Math"/>
                                       </a:rPr>
                                       <m:t>−</m:t>
                                     </m:r>
@@ -6052,24 +6116,28 @@
                                       </m:rPr>
                                       <a:rPr lang="en-US" sz="1600">
                                         <a:effectLst/>
+                                        <a:latin typeface="Cambria Math"/>
                                       </a:rPr>
                                       <m:t>exp</m:t>
                                     </m:r>
                                     <m:r>
                                       <a:rPr lang="en-US" sz="1600">
                                         <a:effectLst/>
+                                        <a:latin typeface="Cambria Math"/>
                                       </a:rPr>
                                       <m:t>(−</m:t>
                                     </m:r>
                                     <m:r>
                                       <a:rPr lang="en-US" sz="1600">
                                         <a:effectLst/>
+                                        <a:latin typeface="Cambria Math"/>
                                       </a:rPr>
                                       <m:t>𝑥</m:t>
                                     </m:r>
                                     <m:r>
                                       <a:rPr lang="en-US" sz="1600">
                                         <a:effectLst/>
+                                        <a:latin typeface="Cambria Math"/>
                                       </a:rPr>
                                       <m:t>)</m:t>
                                     </m:r>
@@ -6078,8 +6146,9 @@
                                     <m:func>
                                       <m:funcPr>
                                         <m:ctrlPr>
-                                          <a:rPr lang="ru-RU" sz="1600">
+                                          <a:rPr lang="ru-RU" sz="1600" i="1">
                                             <a:effectLst/>
+                                            <a:latin typeface="Cambria Math"/>
                                           </a:rPr>
                                         </m:ctrlPr>
                                       </m:funcPr>
@@ -6090,6 +6159,7 @@
                                           </m:rPr>
                                           <a:rPr lang="en-US" sz="1600">
                                             <a:effectLst/>
+                                            <a:latin typeface="Cambria Math"/>
                                           </a:rPr>
                                           <m:t>exp</m:t>
                                         </m:r>
@@ -6098,8 +6168,9 @@
                                         <m:d>
                                           <m:dPr>
                                             <m:ctrlPr>
-                                              <a:rPr lang="ru-RU" sz="1600">
+                                              <a:rPr lang="ru-RU" sz="1600" i="1">
                                                 <a:effectLst/>
+                                                <a:latin typeface="Cambria Math"/>
                                               </a:rPr>
                                             </m:ctrlPr>
                                           </m:dPr>
@@ -6107,6 +6178,7 @@
                                             <m:r>
                                               <a:rPr lang="en-US" sz="1600">
                                                 <a:effectLst/>
+                                                <a:latin typeface="Cambria Math"/>
                                               </a:rPr>
                                               <m:t>𝑥</m:t>
                                             </m:r>
@@ -6117,6 +6189,7 @@
                                     <m:r>
                                       <a:rPr lang="en-US" sz="1600">
                                         <a:effectLst/>
+                                        <a:latin typeface="Cambria Math"/>
                                       </a:rPr>
                                       <m:t>+</m:t>
                                     </m:r>
@@ -6126,24 +6199,28 @@
                                       </m:rPr>
                                       <a:rPr lang="en-US" sz="1600">
                                         <a:effectLst/>
+                                        <a:latin typeface="Cambria Math"/>
                                       </a:rPr>
                                       <m:t>exp</m:t>
                                     </m:r>
                                     <m:r>
                                       <a:rPr lang="en-US" sz="1600">
                                         <a:effectLst/>
+                                        <a:latin typeface="Cambria Math"/>
                                       </a:rPr>
                                       <m:t>(−</m:t>
                                     </m:r>
                                     <m:r>
                                       <a:rPr lang="en-US" sz="1600">
                                         <a:effectLst/>
+                                        <a:latin typeface="Cambria Math"/>
                                       </a:rPr>
                                       <m:t>𝑥</m:t>
                                     </m:r>
                                     <m:r>
                                       <a:rPr lang="en-US" sz="1600">
                                         <a:effectLst/>
+                                        <a:latin typeface="Cambria Math"/>
                                       </a:rPr>
                                       <m:t>)</m:t>
                                     </m:r>
@@ -6152,14 +6229,16 @@
                                 <m:r>
                                   <a:rPr lang="en-US" sz="1600">
                                     <a:effectLst/>
+                                    <a:latin typeface="Cambria Math"/>
                                   </a:rPr>
                                   <m:t>=</m:t>
                                 </m:r>
                                 <m:f>
                                   <m:fPr>
                                     <m:ctrlPr>
-                                      <a:rPr lang="ru-RU" sz="1600">
+                                      <a:rPr lang="ru-RU" sz="1600" i="1">
                                         <a:effectLst/>
+                                        <a:latin typeface="Cambria Math"/>
                                       </a:rPr>
                                     </m:ctrlPr>
                                   </m:fPr>
@@ -6167,14 +6246,16 @@
                                     <m:r>
                                       <a:rPr lang="en-US" sz="1600">
                                         <a:effectLst/>
+                                        <a:latin typeface="Cambria Math"/>
                                       </a:rPr>
                                       <m:t>1−</m:t>
                                     </m:r>
                                     <m:sSup>
                                       <m:sSupPr>
                                         <m:ctrlPr>
-                                          <a:rPr lang="ru-RU" sz="1600">
+                                          <a:rPr lang="ru-RU" sz="1600" i="1">
                                             <a:effectLst/>
+                                            <a:latin typeface="Cambria Math"/>
                                           </a:rPr>
                                         </m:ctrlPr>
                                       </m:sSupPr>
@@ -6182,6 +6263,7 @@
                                         <m:r>
                                           <a:rPr lang="en-US" sz="1600">
                                             <a:effectLst/>
+                                            <a:latin typeface="Cambria Math"/>
                                           </a:rPr>
                                           <m:t>𝑒</m:t>
                                         </m:r>
@@ -6190,12 +6272,14 @@
                                         <m:r>
                                           <a:rPr lang="en-US" sz="1600">
                                             <a:effectLst/>
+                                            <a:latin typeface="Cambria Math"/>
                                           </a:rPr>
                                           <m:t>−2</m:t>
                                         </m:r>
                                         <m:r>
                                           <a:rPr lang="en-US" sz="1600">
                                             <a:effectLst/>
+                                            <a:latin typeface="Cambria Math"/>
                                           </a:rPr>
                                           <m:t>𝑥</m:t>
                                         </m:r>
@@ -6206,14 +6290,16 @@
                                     <m:r>
                                       <a:rPr lang="en-US" sz="1600">
                                         <a:effectLst/>
+                                        <a:latin typeface="Cambria Math"/>
                                       </a:rPr>
                                       <m:t>1+</m:t>
                                     </m:r>
                                     <m:sSup>
                                       <m:sSupPr>
                                         <m:ctrlPr>
-                                          <a:rPr lang="ru-RU" sz="1600">
+                                          <a:rPr lang="ru-RU" sz="1600" i="1">
                                             <a:effectLst/>
+                                            <a:latin typeface="Cambria Math"/>
                                           </a:rPr>
                                         </m:ctrlPr>
                                       </m:sSupPr>
@@ -6221,6 +6307,7 @@
                                         <m:r>
                                           <a:rPr lang="en-US" sz="1600">
                                             <a:effectLst/>
+                                            <a:latin typeface="Cambria Math"/>
                                           </a:rPr>
                                           <m:t>𝑒</m:t>
                                         </m:r>
@@ -6229,12 +6316,14 @@
                                         <m:r>
                                           <a:rPr lang="en-US" sz="1600">
                                             <a:effectLst/>
+                                            <a:latin typeface="Cambria Math"/>
                                           </a:rPr>
                                           <m:t>−2</m:t>
                                         </m:r>
                                         <m:r>
                                           <a:rPr lang="en-US" sz="1600">
                                             <a:effectLst/>
+                                            <a:latin typeface="Cambria Math"/>
                                           </a:rPr>
                                           <m:t>𝑥</m:t>
                                         </m:r>
@@ -6273,38 +6362,44 @@
                               <m:r>
                                 <a:rPr lang="en-US" sz="1600">
                                   <a:effectLst/>
+                                  <a:latin typeface="Cambria Math"/>
                                 </a:rPr>
                                 <m:t>𝑠</m:t>
                               </m:r>
                               <m:r>
                                 <a:rPr lang="en-US" sz="1600">
                                   <a:effectLst/>
+                                  <a:latin typeface="Cambria Math"/>
                                 </a:rPr>
                                 <m:t>′(</m:t>
                               </m:r>
                               <m:r>
                                 <a:rPr lang="en-US" sz="1600">
                                   <a:effectLst/>
+                                  <a:latin typeface="Cambria Math"/>
                                 </a:rPr>
                                 <m:t>𝑧</m:t>
                               </m:r>
                               <m:r>
                                 <a:rPr lang="en-US" sz="1600">
                                   <a:effectLst/>
+                                  <a:latin typeface="Cambria Math"/>
                                 </a:rPr>
                                 <m:t>)=1−</m:t>
                               </m:r>
                               <m:r>
                                 <a:rPr lang="en-US" sz="1600">
                                   <a:effectLst/>
+                                  <a:latin typeface="Cambria Math"/>
                                 </a:rPr>
                                 <m:t>𝑠</m:t>
                               </m:r>
                               <m:sSup>
                                 <m:sSupPr>
                                   <m:ctrlPr>
-                                    <a:rPr lang="ru-RU" sz="1600">
+                                    <a:rPr lang="ru-RU" sz="1600" i="1">
                                       <a:effectLst/>
+                                      <a:latin typeface="Cambria Math"/>
                                     </a:rPr>
                                   </m:ctrlPr>
                                 </m:sSupPr>
@@ -6312,8 +6407,9 @@
                                   <m:d>
                                     <m:dPr>
                                       <m:ctrlPr>
-                                        <a:rPr lang="ru-RU" sz="1600">
+                                        <a:rPr lang="ru-RU" sz="1600" i="1">
                                           <a:effectLst/>
+                                          <a:latin typeface="Cambria Math"/>
                                         </a:rPr>
                                       </m:ctrlPr>
                                     </m:dPr>
@@ -6321,6 +6417,7 @@
                                       <m:r>
                                         <a:rPr lang="en-US" sz="1600">
                                           <a:effectLst/>
+                                          <a:latin typeface="Cambria Math"/>
                                         </a:rPr>
                                         <m:t>𝑧</m:t>
                                       </m:r>
@@ -6331,6 +6428,7 @@
                                   <m:r>
                                     <a:rPr lang="en-US" sz="1600">
                                       <a:effectLst/>
+                                      <a:latin typeface="Cambria Math"/>
                                     </a:rPr>
                                     <m:t>2</m:t>
                                   </m:r>
@@ -6403,14 +6501,16 @@
                               <m:r>
                                 <a:rPr lang="en-US" sz="1600">
                                   <a:effectLst/>
+                                  <a:latin typeface="Cambria Math"/>
                                 </a:rPr>
                                 <m:t>𝑠</m:t>
                               </m:r>
                               <m:d>
                                 <m:dPr>
                                   <m:ctrlPr>
-                                    <a:rPr lang="ru-RU" sz="1600">
+                                    <a:rPr lang="ru-RU" sz="1600" i="1">
                                       <a:effectLst/>
+                                      <a:latin typeface="Cambria Math"/>
                                     </a:rPr>
                                   </m:ctrlPr>
                                 </m:dPr>
@@ -6418,6 +6518,7 @@
                                   <m:r>
                                     <a:rPr lang="en-US" sz="1600">
                                       <a:effectLst/>
+                                      <a:latin typeface="Cambria Math"/>
                                     </a:rPr>
                                     <m:t>𝑧</m:t>
                                   </m:r>
@@ -6426,6 +6527,7 @@
                               <m:r>
                                 <a:rPr lang="en-US" sz="1600">
                                   <a:effectLst/>
+                                  <a:latin typeface="Cambria Math"/>
                                 </a:rPr>
                                 <m:t>=</m:t>
                               </m:r>
@@ -6434,8 +6536,9 @@
                                   <m:begChr m:val="{"/>
                                   <m:endChr m:val=""/>
                                   <m:ctrlPr>
-                                    <a:rPr lang="ru-RU" sz="1600">
+                                    <a:rPr lang="ru-RU" sz="1600" i="1">
                                       <a:effectLst/>
+                                      <a:latin typeface="Cambria Math"/>
                                     </a:rPr>
                                   </m:ctrlPr>
                                 </m:dPr>
@@ -6443,8 +6546,9 @@
                                   <m:eqArr>
                                     <m:eqArrPr>
                                       <m:ctrlPr>
-                                        <a:rPr lang="ru-RU" sz="1600">
+                                        <a:rPr lang="ru-RU" sz="1600" i="1">
                                           <a:effectLst/>
+                                          <a:latin typeface="Cambria Math"/>
                                         </a:rPr>
                                       </m:ctrlPr>
                                     </m:eqArrPr>
@@ -6452,24 +6556,28 @@
                                       <m:r>
                                         <a:rPr lang="en-US" sz="1600">
                                           <a:effectLst/>
+                                          <a:latin typeface="Cambria Math"/>
                                         </a:rPr>
                                         <m:t>𝑧</m:t>
                                       </m:r>
                                       <m:r>
                                         <a:rPr lang="en-US" sz="1600">
                                           <a:effectLst/>
+                                          <a:latin typeface="Cambria Math"/>
                                         </a:rPr>
                                         <m:t>,</m:t>
                                       </m:r>
                                       <m:r>
                                         <a:rPr lang="en-US" sz="1600">
                                           <a:effectLst/>
+                                          <a:latin typeface="Cambria Math"/>
                                         </a:rPr>
                                         <m:t>𝑧</m:t>
                                       </m:r>
                                       <m:r>
                                         <a:rPr lang="en-US" sz="1600">
                                           <a:effectLst/>
+                                          <a:latin typeface="Cambria Math"/>
                                         </a:rPr>
                                         <m:t>&gt;0</m:t>
                                       </m:r>
@@ -6478,24 +6586,28 @@
                                       <m:r>
                                         <a:rPr lang="en-US" sz="1600">
                                           <a:effectLst/>
+                                          <a:latin typeface="Cambria Math"/>
                                         </a:rPr>
                                         <m:t>𝑎𝑧</m:t>
                                       </m:r>
                                       <m:r>
                                         <a:rPr lang="en-US" sz="1600">
                                           <a:effectLst/>
+                                          <a:latin typeface="Cambria Math"/>
                                         </a:rPr>
                                         <m:t>,</m:t>
                                       </m:r>
                                       <m:r>
                                         <a:rPr lang="en-US" sz="1600">
                                           <a:effectLst/>
+                                          <a:latin typeface="Cambria Math"/>
                                         </a:rPr>
                                         <m:t>𝑧</m:t>
                                       </m:r>
                                       <m:r>
                                         <a:rPr lang="en-US" sz="1600">
                                           <a:effectLst/>
+                                          <a:latin typeface="Cambria Math"/>
                                         </a:rPr>
                                         <m:t>≤0</m:t>
                                       </m:r>
@@ -6563,20 +6675,23 @@
                                 <m:r>
                                   <a:rPr lang="en-US" sz="1600" smtClean="0">
                                     <a:effectLst/>
+                                    <a:latin typeface="Cambria Math"/>
                                   </a:rPr>
                                   <m:t>𝑠</m:t>
                                 </m:r>
                                 <m:r>
                                   <a:rPr lang="en-US" sz="1600" smtClean="0">
                                     <a:effectLst/>
+                                    <a:latin typeface="Cambria Math"/>
                                   </a:rPr>
                                   <m:t>′</m:t>
                                 </m:r>
                                 <m:d>
                                   <m:dPr>
                                     <m:ctrlPr>
-                                      <a:rPr lang="ru-RU" sz="1600">
+                                      <a:rPr lang="ru-RU" sz="1600" i="1">
                                         <a:effectLst/>
+                                        <a:latin typeface="Cambria Math"/>
                                       </a:rPr>
                                     </m:ctrlPr>
                                   </m:dPr>
@@ -6584,6 +6699,7 @@
                                     <m:r>
                                       <a:rPr lang="en-US" sz="1600">
                                         <a:effectLst/>
+                                        <a:latin typeface="Cambria Math"/>
                                       </a:rPr>
                                       <m:t>𝑧</m:t>
                                     </m:r>
@@ -6592,6 +6708,7 @@
                                 <m:r>
                                   <a:rPr lang="en-US" sz="1600">
                                     <a:effectLst/>
+                                    <a:latin typeface="Cambria Math"/>
                                   </a:rPr>
                                   <m:t>=</m:t>
                                 </m:r>
@@ -6600,8 +6717,9 @@
                                     <m:begChr m:val="{"/>
                                     <m:endChr m:val=""/>
                                     <m:ctrlPr>
-                                      <a:rPr lang="ru-RU" sz="1600">
+                                      <a:rPr lang="ru-RU" sz="1600" i="1">
                                         <a:effectLst/>
+                                        <a:latin typeface="Cambria Math"/>
                                       </a:rPr>
                                     </m:ctrlPr>
                                   </m:dPr>
@@ -6609,8 +6727,9 @@
                                     <m:eqArr>
                                       <m:eqArrPr>
                                         <m:ctrlPr>
-                                          <a:rPr lang="ru-RU" sz="1600">
+                                          <a:rPr lang="ru-RU" sz="1600" i="1">
                                             <a:effectLst/>
+                                            <a:latin typeface="Cambria Math"/>
                                           </a:rPr>
                                         </m:ctrlPr>
                                       </m:eqArrPr>
@@ -6618,18 +6737,21 @@
                                         <m:r>
                                           <a:rPr lang="en-US" sz="1600">
                                             <a:effectLst/>
+                                            <a:latin typeface="Cambria Math"/>
                                           </a:rPr>
                                           <m:t>1,</m:t>
                                         </m:r>
                                         <m:r>
                                           <a:rPr lang="en-US" sz="1600">
                                             <a:effectLst/>
+                                            <a:latin typeface="Cambria Math"/>
                                           </a:rPr>
                                           <m:t>𝑧</m:t>
                                         </m:r>
                                         <m:r>
                                           <a:rPr lang="en-US" sz="1600">
                                             <a:effectLst/>
+                                            <a:latin typeface="Cambria Math"/>
                                           </a:rPr>
                                           <m:t>&gt;0</m:t>
                                         </m:r>
@@ -6638,24 +6760,28 @@
                                         <m:r>
                                           <a:rPr lang="en-US" sz="1600">
                                             <a:effectLst/>
+                                            <a:latin typeface="Cambria Math"/>
                                           </a:rPr>
                                           <m:t>𝑎</m:t>
                                         </m:r>
                                         <m:r>
                                           <a:rPr lang="en-US" sz="1600">
                                             <a:effectLst/>
+                                            <a:latin typeface="Cambria Math"/>
                                           </a:rPr>
                                           <m:t>,</m:t>
                                         </m:r>
                                         <m:r>
                                           <a:rPr lang="en-US" sz="1600">
                                             <a:effectLst/>
+                                            <a:latin typeface="Cambria Math"/>
                                           </a:rPr>
                                           <m:t>𝑧</m:t>
                                         </m:r>
                                         <m:r>
                                           <a:rPr lang="en-US" sz="1600">
                                             <a:effectLst/>
+                                            <a:latin typeface="Cambria Math"/>
                                           </a:rPr>
                                           <m:t>&lt;0</m:t>
                                         </m:r>
@@ -6691,18 +6817,21 @@
                                         <m:r>
                                           <a:rPr lang="en-US" sz="1600">
                                             <a:effectLst/>
+                                            <a:latin typeface="Cambria Math"/>
                                           </a:rPr>
                                           <m:t>,</m:t>
                                         </m:r>
                                         <m:r>
                                           <a:rPr lang="en-US" sz="1600">
                                             <a:effectLst/>
+                                            <a:latin typeface="Cambria Math"/>
                                           </a:rPr>
                                           <m:t>𝑧</m:t>
                                         </m:r>
                                         <m:r>
                                           <a:rPr lang="en-US" sz="1600">
                                             <a:effectLst/>
+                                            <a:latin typeface="Cambria Math"/>
                                           </a:rPr>
                                           <m:t>=0</m:t>
                                         </m:r>
@@ -6729,7 +6858,7 @@
             </a:graphic>
           </p:graphicFrame>
         </mc:Choice>
-        <mc:Fallback>
+        <mc:Fallback xmlns="">
           <p:graphicFrame>
             <p:nvGraphicFramePr>
               <p:cNvPr id="5" name="Таблица 4"/>
@@ -7267,8 +7396,8 @@
           </a:p>
         </p:txBody>
       </p:sp>
-      <mc:AlternateContent xmlns:mc="http://schemas.openxmlformats.org/markup-compatibility/2006">
-        <mc:Choice xmlns:a14="http://schemas.microsoft.com/office/drawing/2010/main" Requires="a14">
+      <mc:AlternateContent xmlns:mc="http://schemas.openxmlformats.org/markup-compatibility/2006" xmlns:a14="http://schemas.microsoft.com/office/drawing/2010/main">
+        <mc:Choice Requires="a14">
           <p:sp>
             <p:nvSpPr>
               <p:cNvPr id="5" name="Прямоугольник 4"/>
@@ -7295,73 +7424,99 @@
                     <m:sSup>
                       <m:sSupPr>
                         <m:ctrlPr>
-                          <a:rPr lang="ru-RU" i="1"/>
+                          <a:rPr lang="ru-RU" i="1">
+                            <a:latin typeface="Cambria Math"/>
+                          </a:rPr>
                         </m:ctrlPr>
                       </m:sSupPr>
                       <m:e>
                         <m:r>
-                          <a:rPr lang="en-US" i="1"/>
+                          <a:rPr lang="en-US" i="1">
+                            <a:latin typeface="Cambria Math"/>
+                          </a:rPr>
                           <m:t>𝑠𝑖𝑔𝑚𝑜𝑖𝑑</m:t>
                         </m:r>
                         <m:r>
-                          <a:rPr lang="en-US" i="1"/>
+                          <a:rPr lang="en-US" i="1">
+                            <a:latin typeface="Cambria Math"/>
+                          </a:rPr>
                           <m:t>(</m:t>
                         </m:r>
                         <m:r>
-                          <a:rPr lang="en-US" i="1"/>
+                          <a:rPr lang="en-US" i="1">
+                            <a:latin typeface="Cambria Math"/>
+                          </a:rPr>
                           <m:t>𝑧</m:t>
                         </m:r>
                         <m:r>
-                          <a:rPr lang="en-US" i="1"/>
+                          <a:rPr lang="en-US" i="1">
+                            <a:latin typeface="Cambria Math"/>
+                          </a:rPr>
                           <m:t>)</m:t>
                         </m:r>
                       </m:e>
                       <m:sup>
                         <m:r>
-                          <a:rPr lang="en-US" i="1"/>
+                          <a:rPr lang="en-US" i="1">
+                            <a:latin typeface="Cambria Math"/>
+                          </a:rPr>
                           <m:t>′</m:t>
                         </m:r>
                       </m:sup>
                     </m:sSup>
                     <m:r>
-                      <a:rPr lang="en-US" i="1"/>
+                      <a:rPr lang="en-US" i="1">
+                        <a:latin typeface="Cambria Math"/>
+                      </a:rPr>
                       <m:t>=</m:t>
                     </m:r>
                     <m:sSup>
                       <m:sSupPr>
                         <m:ctrlPr>
-                          <a:rPr lang="ru-RU" i="1"/>
+                          <a:rPr lang="ru-RU" i="1">
+                            <a:latin typeface="Cambria Math"/>
+                          </a:rPr>
                         </m:ctrlPr>
                       </m:sSupPr>
                       <m:e>
                         <m:d>
                           <m:dPr>
                             <m:ctrlPr>
-                              <a:rPr lang="ru-RU" i="1"/>
+                              <a:rPr lang="ru-RU" i="1">
+                                <a:latin typeface="Cambria Math"/>
+                              </a:rPr>
                             </m:ctrlPr>
                           </m:dPr>
                           <m:e>
                             <m:f>
                               <m:fPr>
                                 <m:ctrlPr>
-                                  <a:rPr lang="ru-RU" i="1"/>
+                                  <a:rPr lang="ru-RU" i="1">
+                                    <a:latin typeface="Cambria Math"/>
+                                  </a:rPr>
                                 </m:ctrlPr>
                               </m:fPr>
                               <m:num>
                                 <m:r>
-                                  <a:rPr lang="en-US" i="1"/>
+                                  <a:rPr lang="en-US" i="1">
+                                    <a:latin typeface="Cambria Math"/>
+                                  </a:rPr>
                                   <m:t>1</m:t>
                                 </m:r>
                               </m:num>
                               <m:den>
                                 <m:r>
-                                  <a:rPr lang="en-US" i="1"/>
+                                  <a:rPr lang="en-US" i="1">
+                                    <a:latin typeface="Cambria Math"/>
+                                  </a:rPr>
                                   <m:t>1+</m:t>
                                 </m:r>
                                 <m:func>
                                   <m:funcPr>
                                     <m:ctrlPr>
-                                      <a:rPr lang="ru-RU" i="1"/>
+                                      <a:rPr lang="ru-RU" i="1">
+                                        <a:latin typeface="Cambria Math"/>
+                                      </a:rPr>
                                     </m:ctrlPr>
                                   </m:funcPr>
                                   <m:fName>
@@ -7369,7 +7524,9 @@
                                       <m:rPr>
                                         <m:sty m:val="p"/>
                                       </m:rPr>
-                                      <a:rPr lang="en-US"/>
+                                      <a:rPr lang="en-US">
+                                        <a:latin typeface="Cambria Math"/>
+                                      </a:rPr>
                                       <m:t>exp</m:t>
                                     </m:r>
                                   </m:fName>
@@ -7377,16 +7534,22 @@
                                     <m:d>
                                       <m:dPr>
                                         <m:ctrlPr>
-                                          <a:rPr lang="ru-RU" i="1"/>
+                                          <a:rPr lang="ru-RU" i="1">
+                                            <a:latin typeface="Cambria Math"/>
+                                          </a:rPr>
                                         </m:ctrlPr>
                                       </m:dPr>
                                       <m:e>
                                         <m:r>
-                                          <a:rPr lang="en-US" i="1"/>
+                                          <a:rPr lang="en-US" i="1">
+                                            <a:latin typeface="Cambria Math"/>
+                                          </a:rPr>
                                           <m:t>−</m:t>
                                         </m:r>
                                         <m:r>
-                                          <a:rPr lang="en-US" i="1"/>
+                                          <a:rPr lang="en-US" i="1">
+                                            <a:latin typeface="Cambria Math"/>
+                                          </a:rPr>
                                           <m:t>𝑧</m:t>
                                         </m:r>
                                       </m:e>
@@ -7400,50 +7563,66 @@
                       </m:e>
                       <m:sup>
                         <m:r>
-                          <a:rPr lang="en-US" i="1"/>
+                          <a:rPr lang="en-US" i="1">
+                            <a:latin typeface="Cambria Math"/>
+                          </a:rPr>
                           <m:t>′</m:t>
                         </m:r>
                       </m:sup>
                     </m:sSup>
                     <m:r>
-                      <a:rPr lang="en-US" i="1"/>
+                      <a:rPr lang="en-US" i="1">
+                        <a:latin typeface="Cambria Math"/>
+                      </a:rPr>
                       <m:t>=−</m:t>
                     </m:r>
                     <m:sSup>
                       <m:sSupPr>
                         <m:ctrlPr>
-                          <a:rPr lang="ru-RU" i="1"/>
+                          <a:rPr lang="ru-RU" i="1">
+                            <a:latin typeface="Cambria Math"/>
+                          </a:rPr>
                         </m:ctrlPr>
                       </m:sSupPr>
                       <m:e>
                         <m:d>
                           <m:dPr>
                             <m:ctrlPr>
-                              <a:rPr lang="ru-RU" i="1"/>
+                              <a:rPr lang="ru-RU" i="1">
+                                <a:latin typeface="Cambria Math"/>
+                              </a:rPr>
                             </m:ctrlPr>
                           </m:dPr>
                           <m:e>
                             <m:f>
                               <m:fPr>
                                 <m:ctrlPr>
-                                  <a:rPr lang="ru-RU" i="1"/>
+                                  <a:rPr lang="ru-RU" i="1">
+                                    <a:latin typeface="Cambria Math"/>
+                                  </a:rPr>
                                 </m:ctrlPr>
                               </m:fPr>
                               <m:num>
                                 <m:r>
-                                  <a:rPr lang="en-US" i="1"/>
+                                  <a:rPr lang="en-US" i="1">
+                                    <a:latin typeface="Cambria Math"/>
+                                  </a:rPr>
                                   <m:t>1</m:t>
                                 </m:r>
                               </m:num>
                               <m:den>
                                 <m:r>
-                                  <a:rPr lang="en-US" i="1"/>
+                                  <a:rPr lang="en-US" i="1">
+                                    <a:latin typeface="Cambria Math"/>
+                                  </a:rPr>
                                   <m:t>1+</m:t>
                                 </m:r>
                                 <m:func>
                                   <m:funcPr>
                                     <m:ctrlPr>
-                                      <a:rPr lang="ru-RU" i="1"/>
+                                      <a:rPr lang="ru-RU" i="1">
+                                        <a:latin typeface="Cambria Math"/>
+                                      </a:rPr>
                                     </m:ctrlPr>
                                   </m:funcPr>
                                   <m:fName>
@@ -7451,7 +7630,9 @@
                                       <m:rPr>
                                         <m:sty m:val="p"/>
                                       </m:rPr>
-                                      <a:rPr lang="en-US"/>
+                                      <a:rPr lang="en-US">
+                                        <a:latin typeface="Cambria Math"/>
+                                      </a:rPr>
                                       <m:t>exp</m:t>
                                     </m:r>
                                   </m:fName>
@@ -7459,16 +7640,22 @@
                                     <m:d>
                                       <m:dPr>
                                         <m:ctrlPr>
-                                          <a:rPr lang="ru-RU" i="1"/>
+                                          <a:rPr lang="ru-RU" i="1">
+                                            <a:latin typeface="Cambria Math"/>
+                                          </a:rPr>
                                         </m:ctrlPr>
                                       </m:dPr>
                                       <m:e>
                                         <m:r>
-                                          <a:rPr lang="en-US" i="1"/>
+                                          <a:rPr lang="en-US" i="1">
+                                            <a:latin typeface="Cambria Math"/>
+                                          </a:rPr>
                                           <m:t>−</m:t>
                                         </m:r>
                                         <m:r>
-                                          <a:rPr lang="en-US" i="1"/>
+                                          <a:rPr lang="en-US" i="1">
+                                            <a:latin typeface="Cambria Math"/>
+                                          </a:rPr>
                                           <m:t>𝑧</m:t>
                                         </m:r>
                                       </m:e>
@@ -7482,7 +7669,9 @@
                       </m:e>
                       <m:sup>
                         <m:r>
-                          <a:rPr lang="en-US" i="1"/>
+                          <a:rPr lang="en-US" i="1">
+                            <a:latin typeface="Cambria Math"/>
+                          </a:rPr>
                           <m:t>2</m:t>
                         </m:r>
                       </m:sup>
@@ -7490,7 +7679,9 @@
                     <m:func>
                       <m:funcPr>
                         <m:ctrlPr>
-                          <a:rPr lang="ru-RU" i="1"/>
+                          <a:rPr lang="ru-RU" i="1">
+                            <a:latin typeface="Cambria Math"/>
+                          </a:rPr>
                         </m:ctrlPr>
                       </m:funcPr>
                       <m:fName>
@@ -7498,7 +7689,9 @@
                           <m:rPr>
                             <m:sty m:val="p"/>
                           </m:rPr>
-                          <a:rPr lang="en-US"/>
+                          <a:rPr lang="en-US">
+                            <a:latin typeface="Cambria Math"/>
+                          </a:rPr>
                           <m:t>exp</m:t>
                         </m:r>
                       </m:fName>
@@ -7506,16 +7699,22 @@
                         <m:d>
                           <m:dPr>
                             <m:ctrlPr>
-                              <a:rPr lang="ru-RU" i="1"/>
+                              <a:rPr lang="ru-RU" i="1">
+                                <a:latin typeface="Cambria Math"/>
+                              </a:rPr>
                             </m:ctrlPr>
                           </m:dPr>
                           <m:e>
                             <m:r>
-                              <a:rPr lang="en-US" i="1"/>
+                              <a:rPr lang="en-US" i="1">
+                                <a:latin typeface="Cambria Math"/>
+                              </a:rPr>
                               <m:t>−</m:t>
                             </m:r>
                             <m:r>
-                              <a:rPr lang="en-US" i="1"/>
+                              <a:rPr lang="en-US" i="1">
+                                <a:latin typeface="Cambria Math"/>
+                              </a:rPr>
                               <m:t>𝑧</m:t>
                             </m:r>
                           </m:e>
@@ -7525,48 +7724,64 @@
                     <m:d>
                       <m:dPr>
                         <m:ctrlPr>
-                          <a:rPr lang="ru-RU" i="1"/>
+                          <a:rPr lang="ru-RU" i="1">
+                            <a:latin typeface="Cambria Math"/>
+                          </a:rPr>
                         </m:ctrlPr>
                       </m:dPr>
                       <m:e>
                         <m:r>
-                          <a:rPr lang="en-US" i="1"/>
+                          <a:rPr lang="en-US" i="1">
+                            <a:latin typeface="Cambria Math"/>
+                          </a:rPr>
                           <m:t>−1</m:t>
                         </m:r>
                       </m:e>
                     </m:d>
                     <m:r>
-                      <a:rPr lang="en-US" i="1"/>
+                      <a:rPr lang="en-US" i="1">
+                        <a:latin typeface="Cambria Math"/>
+                      </a:rPr>
                       <m:t>=</m:t>
                     </m:r>
                     <m:d>
                       <m:dPr>
                         <m:ctrlPr>
-                          <a:rPr lang="ru-RU" i="1"/>
+                          <a:rPr lang="ru-RU" i="1">
+                            <a:latin typeface="Cambria Math"/>
+                          </a:rPr>
                         </m:ctrlPr>
                       </m:dPr>
                       <m:e>
                         <m:f>
                           <m:fPr>
                             <m:ctrlPr>
-                              <a:rPr lang="ru-RU" i="1"/>
+                              <a:rPr lang="ru-RU" i="1">
+                                <a:latin typeface="Cambria Math"/>
+                              </a:rPr>
                             </m:ctrlPr>
                           </m:fPr>
                           <m:num>
                             <m:r>
-                              <a:rPr lang="en-US" i="1"/>
+                              <a:rPr lang="en-US" i="1">
+                                <a:latin typeface="Cambria Math"/>
+                              </a:rPr>
                               <m:t>1</m:t>
                             </m:r>
                           </m:num>
                           <m:den>
                             <m:r>
-                              <a:rPr lang="en-US" i="1"/>
+                              <a:rPr lang="en-US" i="1">
+                                <a:latin typeface="Cambria Math"/>
+                              </a:rPr>
                               <m:t>1+</m:t>
                             </m:r>
                             <m:func>
                               <m:funcPr>
                                 <m:ctrlPr>
-                                  <a:rPr lang="ru-RU" i="1"/>
+                                  <a:rPr lang="ru-RU" i="1">
+                                    <a:latin typeface="Cambria Math"/>
+                                  </a:rPr>
                                 </m:ctrlPr>
                               </m:funcPr>
                               <m:fName>
@@ -7574,7 +7789,9 @@
                                   <m:rPr>
                                     <m:sty m:val="p"/>
                                   </m:rPr>
-                                  <a:rPr lang="en-US"/>
+                                  <a:rPr lang="en-US">
+                                    <a:latin typeface="Cambria Math"/>
+                                  </a:rPr>
                                   <m:t>exp</m:t>
                                 </m:r>
                               </m:fName>
@@ -7582,16 +7799,22 @@
                                 <m:d>
                                   <m:dPr>
                                     <m:ctrlPr>
-                                      <a:rPr lang="ru-RU" i="1"/>
+                                      <a:rPr lang="ru-RU" i="1">
+                                        <a:latin typeface="Cambria Math"/>
+                                      </a:rPr>
                                     </m:ctrlPr>
                                   </m:dPr>
                                   <m:e>
                                     <m:r>
-                                      <a:rPr lang="en-US" i="1"/>
+                                      <a:rPr lang="en-US" i="1">
+                                        <a:latin typeface="Cambria Math"/>
+                                      </a:rPr>
                                       <m:t>−</m:t>
                                     </m:r>
                                     <m:r>
-                                      <a:rPr lang="en-US" i="1"/>
+                                      <a:rPr lang="en-US" i="1">
+                                        <a:latin typeface="Cambria Math"/>
+                                      </a:rPr>
                                       <m:t>𝑧</m:t>
                                     </m:r>
                                   </m:e>
@@ -7605,14 +7828,18 @@
                     <m:f>
                       <m:fPr>
                         <m:ctrlPr>
-                          <a:rPr lang="ru-RU" i="1"/>
+                          <a:rPr lang="ru-RU" i="1">
+                            <a:latin typeface="Cambria Math"/>
+                          </a:rPr>
                         </m:ctrlPr>
                       </m:fPr>
                       <m:num>
                         <m:func>
                           <m:funcPr>
                             <m:ctrlPr>
-                              <a:rPr lang="ru-RU" i="1"/>
+                              <a:rPr lang="ru-RU" i="1">
+                                <a:latin typeface="Cambria Math"/>
+                              </a:rPr>
                             </m:ctrlPr>
                           </m:funcPr>
                           <m:fName>
@@ -7620,7 +7847,9 @@
                               <m:rPr>
                                 <m:sty m:val="p"/>
                               </m:rPr>
-                              <a:rPr lang="en-US"/>
+                              <a:rPr lang="en-US">
+                                <a:latin typeface="Cambria Math"/>
+                              </a:rPr>
                               <m:t>exp</m:t>
                             </m:r>
                           </m:fName>
@@ -7628,16 +7857,22 @@
                             <m:d>
                               <m:dPr>
                                 <m:ctrlPr>
-                                  <a:rPr lang="ru-RU" i="1"/>
+                                  <a:rPr lang="ru-RU" i="1">
+                                    <a:latin typeface="Cambria Math"/>
+                                  </a:rPr>
                                 </m:ctrlPr>
                               </m:dPr>
                               <m:e>
                                 <m:r>
-                                  <a:rPr lang="en-US" i="1"/>
+                                  <a:rPr lang="en-US" i="1">
+                                    <a:latin typeface="Cambria Math"/>
+                                  </a:rPr>
                                   <m:t>−</m:t>
                                 </m:r>
                                 <m:r>
-                                  <a:rPr lang="en-US" i="1"/>
+                                  <a:rPr lang="en-US" i="1">
+                                    <a:latin typeface="Cambria Math"/>
+                                  </a:rPr>
                                   <m:t>𝑧</m:t>
                                 </m:r>
                               </m:e>
@@ -7647,13 +7882,17 @@
                       </m:num>
                       <m:den>
                         <m:r>
-                          <a:rPr lang="en-US" i="1"/>
+                          <a:rPr lang="en-US" i="1">
+                            <a:latin typeface="Cambria Math"/>
+                          </a:rPr>
                           <m:t>1+</m:t>
                         </m:r>
                         <m:func>
                           <m:funcPr>
                             <m:ctrlPr>
-                              <a:rPr lang="ru-RU" i="1"/>
+                              <a:rPr lang="ru-RU" i="1">
+                                <a:latin typeface="Cambria Math"/>
+                              </a:rPr>
                             </m:ctrlPr>
                           </m:funcPr>
                           <m:fName>
@@ -7661,7 +7900,9 @@
                               <m:rPr>
                                 <m:sty m:val="p"/>
                               </m:rPr>
-                              <a:rPr lang="en-US"/>
+                              <a:rPr lang="en-US">
+                                <a:latin typeface="Cambria Math"/>
+                              </a:rPr>
                               <m:t>exp</m:t>
                             </m:r>
                           </m:fName>
@@ -7669,16 +7910,22 @@
                             <m:d>
                               <m:dPr>
                                 <m:ctrlPr>
-                                  <a:rPr lang="ru-RU" i="1"/>
+                                  <a:rPr lang="ru-RU" i="1">
+                                    <a:latin typeface="Cambria Math"/>
+                                  </a:rPr>
                                 </m:ctrlPr>
                               </m:dPr>
                               <m:e>
                                 <m:r>
-                                  <a:rPr lang="en-US" i="1"/>
+                                  <a:rPr lang="en-US" i="1">
+                                    <a:latin typeface="Cambria Math"/>
+                                  </a:rPr>
                                   <m:t>−</m:t>
                                 </m:r>
                                 <m:r>
-                                  <a:rPr lang="en-US" i="1"/>
+                                  <a:rPr lang="en-US" i="1">
+                                    <a:latin typeface="Cambria Math"/>
+                                  </a:rPr>
                                   <m:t>𝑧</m:t>
                                 </m:r>
                               </m:e>
@@ -7688,22 +7935,30 @@
                       </m:den>
                     </m:f>
                     <m:r>
-                      <a:rPr lang="en-US" i="1"/>
+                      <a:rPr lang="en-US" i="1">
+                        <a:latin typeface="Cambria Math"/>
+                      </a:rPr>
                       <m:t>=</m:t>
                     </m:r>
                     <m:r>
-                      <a:rPr lang="en-US" i="1"/>
+                      <a:rPr lang="en-US" i="1">
+                        <a:latin typeface="Cambria Math"/>
+                      </a:rPr>
                       <m:t>𝑆</m:t>
                     </m:r>
                     <m:d>
                       <m:dPr>
                         <m:ctrlPr>
-                          <a:rPr lang="ru-RU" i="1"/>
+                          <a:rPr lang="ru-RU" i="1">
+                            <a:latin typeface="Cambria Math"/>
+                          </a:rPr>
                         </m:ctrlPr>
                       </m:dPr>
                       <m:e>
                         <m:r>
-                          <a:rPr lang="en-US" i="1"/>
+                          <a:rPr lang="en-US" i="1">
+                            <a:latin typeface="Cambria Math"/>
+                          </a:rPr>
                           <m:t>𝑧</m:t>
                         </m:r>
                       </m:e>
@@ -7711,25 +7966,33 @@
                     <m:d>
                       <m:dPr>
                         <m:ctrlPr>
-                          <a:rPr lang="ru-RU" i="1"/>
+                          <a:rPr lang="ru-RU" i="1">
+                            <a:latin typeface="Cambria Math"/>
+                          </a:rPr>
                         </m:ctrlPr>
                       </m:dPr>
                       <m:e>
                         <m:f>
                           <m:fPr>
                             <m:ctrlPr>
-                              <a:rPr lang="ru-RU" i="1"/>
+                              <a:rPr lang="ru-RU" i="1">
+                                <a:latin typeface="Cambria Math"/>
+                              </a:rPr>
                             </m:ctrlPr>
                           </m:fPr>
                           <m:num>
                             <m:r>
-                              <a:rPr lang="en-US" i="1"/>
+                              <a:rPr lang="en-US" i="1">
+                                <a:latin typeface="Cambria Math"/>
+                              </a:rPr>
                               <m:t>1+</m:t>
                             </m:r>
                             <m:func>
                               <m:funcPr>
                                 <m:ctrlPr>
-                                  <a:rPr lang="ru-RU" i="1"/>
+                                  <a:rPr lang="ru-RU" i="1">
+                                    <a:latin typeface="Cambria Math"/>
+                                  </a:rPr>
                                 </m:ctrlPr>
                               </m:funcPr>
                               <m:fName>
@@ -7737,7 +8000,9 @@
                                   <m:rPr>
                                     <m:sty m:val="p"/>
                                   </m:rPr>
-                                  <a:rPr lang="en-US"/>
+                                  <a:rPr lang="en-US">
+                                    <a:latin typeface="Cambria Math"/>
+                                  </a:rPr>
                                   <m:t>exp</m:t>
                                 </m:r>
                               </m:fName>
@@ -7745,16 +8010,22 @@
                                 <m:d>
                                   <m:dPr>
                                     <m:ctrlPr>
-                                      <a:rPr lang="ru-RU" i="1"/>
+                                      <a:rPr lang="ru-RU" i="1">
+                                        <a:latin typeface="Cambria Math"/>
+                                      </a:rPr>
                                     </m:ctrlPr>
                                   </m:dPr>
                                   <m:e>
                                     <m:r>
-                                      <a:rPr lang="en-US" i="1"/>
+                                      <a:rPr lang="en-US" i="1">
+                                        <a:latin typeface="Cambria Math"/>
+                                      </a:rPr>
                                       <m:t>−</m:t>
                                     </m:r>
                                     <m:r>
-                                      <a:rPr lang="en-US" i="1"/>
+                                      <a:rPr lang="en-US" i="1">
+                                        <a:latin typeface="Cambria Math"/>
+                                      </a:rPr>
                                       <m:t>𝑧</m:t>
                                     </m:r>
                                   </m:e>
@@ -7762,19 +8033,25 @@
                               </m:e>
                             </m:func>
                             <m:r>
-                              <a:rPr lang="en-US" i="1"/>
+                              <a:rPr lang="en-US" i="1">
+                                <a:latin typeface="Cambria Math"/>
+                              </a:rPr>
                               <m:t>−1</m:t>
                             </m:r>
                           </m:num>
                           <m:den>
                             <m:r>
-                              <a:rPr lang="en-US" i="1"/>
+                              <a:rPr lang="en-US" i="1">
+                                <a:latin typeface="Cambria Math"/>
+                              </a:rPr>
                               <m:t>1+</m:t>
                             </m:r>
                             <m:func>
                               <m:funcPr>
                                 <m:ctrlPr>
-                                  <a:rPr lang="ru-RU" i="1"/>
+                                  <a:rPr lang="ru-RU" i="1">
+                                    <a:latin typeface="Cambria Math"/>
+                                  </a:rPr>
                                 </m:ctrlPr>
                               </m:funcPr>
                               <m:fName>
@@ -7782,7 +8059,9 @@
                                   <m:rPr>
                                     <m:sty m:val="p"/>
                                   </m:rPr>
-                                  <a:rPr lang="en-US"/>
+                                  <a:rPr lang="en-US">
+                                    <a:latin typeface="Cambria Math"/>
+                                  </a:rPr>
                                   <m:t>exp</m:t>
                                 </m:r>
                               </m:fName>
@@ -7790,16 +8069,22 @@
                                 <m:d>
                                   <m:dPr>
                                     <m:ctrlPr>
-                                      <a:rPr lang="ru-RU" i="1"/>
+                                      <a:rPr lang="ru-RU" i="1">
+                                        <a:latin typeface="Cambria Math"/>
+                                      </a:rPr>
                                     </m:ctrlPr>
                                   </m:dPr>
                                   <m:e>
                                     <m:r>
-                                      <a:rPr lang="en-US" i="1"/>
+                                      <a:rPr lang="en-US" i="1">
+                                        <a:latin typeface="Cambria Math"/>
+                                      </a:rPr>
                                       <m:t>−</m:t>
                                     </m:r>
                                     <m:r>
-                                      <a:rPr lang="en-US" i="1"/>
+                                      <a:rPr lang="en-US" i="1">
+                                        <a:latin typeface="Cambria Math"/>
+                                      </a:rPr>
                                       <m:t>𝑧</m:t>
                                     </m:r>
                                   </m:e>
@@ -7811,39 +8096,57 @@
                       </m:e>
                     </m:d>
                     <m:r>
-                      <a:rPr lang="en-US" i="1"/>
+                      <a:rPr lang="en-US" i="1">
+                        <a:latin typeface="Cambria Math"/>
+                      </a:rPr>
                       <m:t>=</m:t>
                     </m:r>
                     <m:r>
-                      <a:rPr lang="en-US" i="1"/>
+                      <a:rPr lang="en-US" i="1">
+                        <a:latin typeface="Cambria Math"/>
+                      </a:rPr>
                       <m:t>𝑠𝑖𝑔𝑚𝑜𝑖𝑑</m:t>
                     </m:r>
                     <m:r>
-                      <a:rPr lang="en-US" i="1"/>
+                      <a:rPr lang="en-US" i="1">
+                        <a:latin typeface="Cambria Math"/>
+                      </a:rPr>
                       <m:t>(</m:t>
                     </m:r>
                     <m:r>
-                      <a:rPr lang="en-US" i="1"/>
+                      <a:rPr lang="en-US" i="1">
+                        <a:latin typeface="Cambria Math"/>
+                      </a:rPr>
                       <m:t>𝑧</m:t>
                     </m:r>
                     <m:r>
-                      <a:rPr lang="en-US" i="1"/>
+                      <a:rPr lang="en-US" i="1">
+                        <a:latin typeface="Cambria Math"/>
+                      </a:rPr>
                       <m:t>)(1−</m:t>
                     </m:r>
                     <m:r>
-                      <a:rPr lang="en-US" i="1"/>
+                      <a:rPr lang="en-US" i="1">
+                        <a:latin typeface="Cambria Math"/>
+                      </a:rPr>
                       <m:t>𝑠𝑖𝑔𝑚𝑜𝑖𝑑</m:t>
                     </m:r>
                     <m:r>
-                      <a:rPr lang="en-US" i="1"/>
+                      <a:rPr lang="en-US" i="1">
+                        <a:latin typeface="Cambria Math"/>
+                      </a:rPr>
                       <m:t>(</m:t>
                     </m:r>
                     <m:r>
-                      <a:rPr lang="en-US" i="1"/>
+                      <a:rPr lang="en-US" i="1">
+                        <a:latin typeface="Cambria Math"/>
+                      </a:rPr>
                       <m:t>𝑧</m:t>
                     </m:r>
                     <m:r>
-                      <a:rPr lang="en-US" i="1"/>
+                      <a:rPr lang="en-US" i="1">
+                        <a:latin typeface="Cambria Math"/>
+                      </a:rPr>
                       <m:t>))</m:t>
                     </m:r>
                   </m:oMath>
@@ -7857,7 +8160,7 @@
             </p:txBody>
           </p:sp>
         </mc:Choice>
-        <mc:Fallback>
+        <mc:Fallback xmlns="">
           <p:sp>
             <p:nvSpPr>
               <p:cNvPr id="5" name="Прямоугольник 4"/>
@@ -8051,8 +8354,8 @@
           </a:p>
         </p:txBody>
       </p:sp>
-      <mc:AlternateContent xmlns:mc="http://schemas.openxmlformats.org/markup-compatibility/2006">
-        <mc:Choice xmlns:a14="http://schemas.microsoft.com/office/drawing/2010/main" Requires="a14">
+      <mc:AlternateContent xmlns:mc="http://schemas.openxmlformats.org/markup-compatibility/2006" xmlns:a14="http://schemas.microsoft.com/office/drawing/2010/main">
+        <mc:Choice Requires="a14">
           <p:sp>
             <p:nvSpPr>
               <p:cNvPr id="3" name="Объект 2"/>
@@ -8917,7 +9220,7 @@
             </p:txBody>
           </p:sp>
         </mc:Choice>
-        <mc:Fallback>
+        <mc:Fallback xmlns="">
           <p:sp>
             <p:nvSpPr>
               <p:cNvPr id="3" name="Объект 2"/>
@@ -9027,8 +9330,8 @@
           </a:p>
         </p:txBody>
       </p:sp>
-      <mc:AlternateContent xmlns:mc="http://schemas.openxmlformats.org/markup-compatibility/2006">
-        <mc:Choice xmlns:a14="http://schemas.microsoft.com/office/drawing/2010/main" Requires="a14">
+      <mc:AlternateContent xmlns:mc="http://schemas.openxmlformats.org/markup-compatibility/2006" xmlns:a14="http://schemas.microsoft.com/office/drawing/2010/main">
+        <mc:Choice Requires="a14">
           <p:sp>
             <p:nvSpPr>
               <p:cNvPr id="3" name="Объект 2"/>
@@ -9055,41 +9358,55 @@
                     <m:d>
                       <m:dPr>
                         <m:ctrlPr>
-                          <a:rPr lang="ru-RU" i="1"/>
+                          <a:rPr lang="ru-RU" i="1">
+                            <a:latin typeface="Cambria Math"/>
+                          </a:rPr>
                         </m:ctrlPr>
                       </m:dPr>
                       <m:e>
                         <m:r>
-                          <a:rPr lang="ru-RU" i="1"/>
+                          <a:rPr lang="ru-RU" i="1">
+                            <a:latin typeface="Cambria Math"/>
+                          </a:rPr>
                           <m:t>𝑥</m:t>
                         </m:r>
                       </m:e>
                     </m:d>
                     <m:r>
-                      <a:rPr lang="en-US" i="1"/>
+                      <a:rPr lang="en-US" i="1">
+                        <a:latin typeface="Cambria Math"/>
+                      </a:rPr>
                       <m:t>=</m:t>
                     </m:r>
                     <m:f>
                       <m:fPr>
                         <m:ctrlPr>
-                          <a:rPr lang="ru-RU" i="1"/>
+                          <a:rPr lang="ru-RU" i="1">
+                            <a:latin typeface="Cambria Math"/>
+                          </a:rPr>
                         </m:ctrlPr>
                       </m:fPr>
                       <m:num>
                         <m:r>
-                          <a:rPr lang="en-US" i="1"/>
+                          <a:rPr lang="en-US" i="1">
+                            <a:latin typeface="Cambria Math"/>
+                          </a:rPr>
                           <m:t>1</m:t>
                         </m:r>
                       </m:num>
                       <m:den>
                         <m:r>
-                          <a:rPr lang="en-US" i="1"/>
+                          <a:rPr lang="en-US" i="1">
+                            <a:latin typeface="Cambria Math"/>
+                          </a:rPr>
                           <m:t>1+</m:t>
                         </m:r>
                         <m:func>
                           <m:funcPr>
                             <m:ctrlPr>
-                              <a:rPr lang="ru-RU" i="1"/>
+                              <a:rPr lang="ru-RU" i="1">
+                                <a:latin typeface="Cambria Math"/>
+                              </a:rPr>
                             </m:ctrlPr>
                           </m:funcPr>
                           <m:fName>
@@ -9097,7 +9414,9 @@
                               <m:rPr>
                                 <m:sty m:val="p"/>
                               </m:rPr>
-                              <a:rPr lang="en-US"/>
+                              <a:rPr lang="en-US">
+                                <a:latin typeface="Cambria Math"/>
+                              </a:rPr>
                               <m:t>exp</m:t>
                             </m:r>
                           </m:fName>
@@ -9105,16 +9424,22 @@
                             <m:d>
                               <m:dPr>
                                 <m:ctrlPr>
-                                  <a:rPr lang="ru-RU" i="1"/>
+                                  <a:rPr lang="ru-RU" i="1">
+                                    <a:latin typeface="Cambria Math"/>
+                                  </a:rPr>
                                 </m:ctrlPr>
                               </m:dPr>
                               <m:e>
                                 <m:r>
-                                  <a:rPr lang="en-US" i="1"/>
+                                  <a:rPr lang="en-US" i="1">
+                                    <a:latin typeface="Cambria Math"/>
+                                  </a:rPr>
                                   <m:t>−</m:t>
                                 </m:r>
                                 <m:r>
-                                  <a:rPr lang="ru-RU" i="1"/>
+                                  <a:rPr lang="ru-RU" i="1">
+                                    <a:latin typeface="Cambria Math"/>
+                                  </a:rPr>
                                   <m:t>𝑥</m:t>
                                 </m:r>
                               </m:e>
@@ -9159,51 +9484,69 @@
                 <a14:m>
                   <m:oMath xmlns:m="http://schemas.openxmlformats.org/officeDocument/2006/math">
                     <m:r>
-                      <a:rPr lang="en-US" i="1"/>
+                      <a:rPr lang="en-US" i="1">
+                        <a:latin typeface="Cambria Math"/>
+                      </a:rPr>
                       <m:t>1−</m:t>
                     </m:r>
                     <m:r>
-                      <a:rPr lang="ru-RU" i="1"/>
+                      <a:rPr lang="ru-RU" i="1">
+                        <a:latin typeface="Cambria Math"/>
+                      </a:rPr>
                       <m:t>𝑓</m:t>
                     </m:r>
                     <m:d>
                       <m:dPr>
                         <m:ctrlPr>
-                          <a:rPr lang="ru-RU" i="1"/>
+                          <a:rPr lang="ru-RU" i="1">
+                            <a:latin typeface="Cambria Math"/>
+                          </a:rPr>
                         </m:ctrlPr>
                       </m:dPr>
                       <m:e>
                         <m:r>
-                          <a:rPr lang="ru-RU" i="1"/>
+                          <a:rPr lang="ru-RU" i="1">
+                            <a:latin typeface="Cambria Math"/>
+                          </a:rPr>
                           <m:t>𝑥</m:t>
                         </m:r>
                       </m:e>
                     </m:d>
                     <m:r>
-                      <a:rPr lang="en-US" i="1"/>
+                      <a:rPr lang="en-US" i="1">
+                        <a:latin typeface="Cambria Math"/>
+                      </a:rPr>
                       <m:t>=1−</m:t>
                     </m:r>
                     <m:f>
                       <m:fPr>
                         <m:ctrlPr>
-                          <a:rPr lang="ru-RU" i="1"/>
+                          <a:rPr lang="ru-RU" i="1">
+                            <a:latin typeface="Cambria Math"/>
+                          </a:rPr>
                         </m:ctrlPr>
                       </m:fPr>
                       <m:num>
                         <m:r>
-                          <a:rPr lang="en-US" i="1"/>
+                          <a:rPr lang="en-US" i="1">
+                            <a:latin typeface="Cambria Math"/>
+                          </a:rPr>
                           <m:t>1</m:t>
                         </m:r>
                       </m:num>
                       <m:den>
                         <m:r>
-                          <a:rPr lang="en-US" i="1"/>
+                          <a:rPr lang="en-US" i="1">
+                            <a:latin typeface="Cambria Math"/>
+                          </a:rPr>
                           <m:t>1+</m:t>
                         </m:r>
                         <m:func>
                           <m:funcPr>
                             <m:ctrlPr>
-                              <a:rPr lang="ru-RU" i="1"/>
+                              <a:rPr lang="ru-RU" i="1">
+                                <a:latin typeface="Cambria Math"/>
+                              </a:rPr>
                             </m:ctrlPr>
                           </m:funcPr>
                           <m:fName>
@@ -9211,7 +9554,9 @@
                               <m:rPr>
                                 <m:sty m:val="p"/>
                               </m:rPr>
-                              <a:rPr lang="en-US"/>
+                              <a:rPr lang="en-US">
+                                <a:latin typeface="Cambria Math"/>
+                              </a:rPr>
                               <m:t>exp</m:t>
                             </m:r>
                           </m:fName>
@@ -9219,16 +9564,22 @@
                             <m:d>
                               <m:dPr>
                                 <m:ctrlPr>
-                                  <a:rPr lang="ru-RU" i="1"/>
+                                  <a:rPr lang="ru-RU" i="1">
+                                    <a:latin typeface="Cambria Math"/>
+                                  </a:rPr>
                                 </m:ctrlPr>
                               </m:dPr>
                               <m:e>
                                 <m:r>
-                                  <a:rPr lang="en-US" i="1"/>
+                                  <a:rPr lang="en-US" i="1">
+                                    <a:latin typeface="Cambria Math"/>
+                                  </a:rPr>
                                   <m:t>−</m:t>
                                 </m:r>
                                 <m:r>
-                                  <a:rPr lang="ru-RU" i="1"/>
+                                  <a:rPr lang="ru-RU" i="1">
+                                    <a:latin typeface="Cambria Math"/>
+                                  </a:rPr>
                                   <m:t>𝑥</m:t>
                                 </m:r>
                               </m:e>
@@ -9238,24 +9589,32 @@
                       </m:den>
                     </m:f>
                     <m:r>
-                      <a:rPr lang="en-US" i="1"/>
+                      <a:rPr lang="en-US" i="1">
+                        <a:latin typeface="Cambria Math"/>
+                      </a:rPr>
                       <m:t>=</m:t>
                     </m:r>
                     <m:f>
                       <m:fPr>
                         <m:ctrlPr>
-                          <a:rPr lang="ru-RU" i="1"/>
+                          <a:rPr lang="ru-RU" i="1">
+                            <a:latin typeface="Cambria Math"/>
+                          </a:rPr>
                         </m:ctrlPr>
                       </m:fPr>
                       <m:num>
                         <m:r>
-                          <a:rPr lang="en-US" i="1"/>
+                          <a:rPr lang="en-US" i="1">
+                            <a:latin typeface="Cambria Math"/>
+                          </a:rPr>
                           <m:t>1+</m:t>
                         </m:r>
                         <m:func>
                           <m:funcPr>
                             <m:ctrlPr>
-                              <a:rPr lang="ru-RU" i="1"/>
+                              <a:rPr lang="ru-RU" i="1">
+                                <a:latin typeface="Cambria Math"/>
+                              </a:rPr>
                             </m:ctrlPr>
                           </m:funcPr>
                           <m:fName>
@@ -9263,7 +9622,9 @@
                               <m:rPr>
                                 <m:sty m:val="p"/>
                               </m:rPr>
-                              <a:rPr lang="en-US"/>
+                              <a:rPr lang="en-US">
+                                <a:latin typeface="Cambria Math"/>
+                              </a:rPr>
                               <m:t>exp</m:t>
                             </m:r>
                           </m:fName>
@@ -9271,16 +9632,22 @@
                             <m:d>
                               <m:dPr>
                                 <m:ctrlPr>
-                                  <a:rPr lang="ru-RU" i="1"/>
+                                  <a:rPr lang="ru-RU" i="1">
+                                    <a:latin typeface="Cambria Math"/>
+                                  </a:rPr>
                                 </m:ctrlPr>
                               </m:dPr>
                               <m:e>
                                 <m:r>
-                                  <a:rPr lang="en-US" i="1"/>
+                                  <a:rPr lang="en-US" i="1">
+                                    <a:latin typeface="Cambria Math"/>
+                                  </a:rPr>
                                   <m:t>−</m:t>
                                 </m:r>
                                 <m:r>
-                                  <a:rPr lang="ru-RU" i="1"/>
+                                  <a:rPr lang="ru-RU" i="1">
+                                    <a:latin typeface="Cambria Math"/>
+                                  </a:rPr>
                                   <m:t>𝑥</m:t>
                                 </m:r>
                               </m:e>
@@ -9288,19 +9655,25 @@
                           </m:e>
                         </m:func>
                         <m:r>
-                          <a:rPr lang="en-US" i="1"/>
+                          <a:rPr lang="en-US" i="1">
+                            <a:latin typeface="Cambria Math"/>
+                          </a:rPr>
                           <m:t>−1</m:t>
                         </m:r>
                       </m:num>
                       <m:den>
                         <m:r>
-                          <a:rPr lang="en-US" i="1"/>
+                          <a:rPr lang="en-US" i="1">
+                            <a:latin typeface="Cambria Math"/>
+                          </a:rPr>
                           <m:t>1+</m:t>
                         </m:r>
                         <m:func>
                           <m:funcPr>
                             <m:ctrlPr>
-                              <a:rPr lang="ru-RU" i="1"/>
+                              <a:rPr lang="ru-RU" i="1">
+                                <a:latin typeface="Cambria Math"/>
+                              </a:rPr>
                             </m:ctrlPr>
                           </m:funcPr>
                           <m:fName>
@@ -9308,7 +9681,9 @@
                               <m:rPr>
                                 <m:sty m:val="p"/>
                               </m:rPr>
-                              <a:rPr lang="en-US"/>
+                              <a:rPr lang="en-US">
+                                <a:latin typeface="Cambria Math"/>
+                              </a:rPr>
                               <m:t>exp</m:t>
                             </m:r>
                           </m:fName>
@@ -9316,16 +9691,22 @@
                             <m:d>
                               <m:dPr>
                                 <m:ctrlPr>
-                                  <a:rPr lang="ru-RU" i="1"/>
+                                  <a:rPr lang="ru-RU" i="1">
+                                    <a:latin typeface="Cambria Math"/>
+                                  </a:rPr>
                                 </m:ctrlPr>
                               </m:dPr>
                               <m:e>
                                 <m:r>
-                                  <a:rPr lang="en-US" i="1"/>
+                                  <a:rPr lang="en-US" i="1">
+                                    <a:latin typeface="Cambria Math"/>
+                                  </a:rPr>
                                   <m:t>−</m:t>
                                 </m:r>
                                 <m:r>
-                                  <a:rPr lang="ru-RU" i="1"/>
+                                  <a:rPr lang="ru-RU" i="1">
+                                    <a:latin typeface="Cambria Math"/>
+                                  </a:rPr>
                                   <m:t>𝑥</m:t>
                                 </m:r>
                               </m:e>
@@ -9335,20 +9716,26 @@
                       </m:den>
                     </m:f>
                     <m:r>
-                      <a:rPr lang="en-US" i="1"/>
+                      <a:rPr lang="en-US" i="1">
+                        <a:latin typeface="Cambria Math"/>
+                      </a:rPr>
                       <m:t>=</m:t>
                     </m:r>
                     <m:f>
                       <m:fPr>
                         <m:ctrlPr>
-                          <a:rPr lang="ru-RU" i="1"/>
+                          <a:rPr lang="ru-RU" i="1">
+                            <a:latin typeface="Cambria Math"/>
+                          </a:rPr>
                         </m:ctrlPr>
                       </m:fPr>
                       <m:num>
                         <m:func>
                           <m:funcPr>
                             <m:ctrlPr>
-                              <a:rPr lang="ru-RU" i="1"/>
+                              <a:rPr lang="ru-RU" i="1">
+                                <a:latin typeface="Cambria Math"/>
+                              </a:rPr>
                             </m:ctrlPr>
                           </m:funcPr>
                           <m:fName>
@@ -9356,7 +9743,9 @@
                               <m:rPr>
                                 <m:sty m:val="p"/>
                               </m:rPr>
-                              <a:rPr lang="en-US"/>
+                              <a:rPr lang="en-US">
+                                <a:latin typeface="Cambria Math"/>
+                              </a:rPr>
                               <m:t>exp</m:t>
                             </m:r>
                           </m:fName>
@@ -9364,16 +9753,22 @@
                             <m:d>
                               <m:dPr>
                                 <m:ctrlPr>
-                                  <a:rPr lang="ru-RU" i="1"/>
+                                  <a:rPr lang="ru-RU" i="1">
+                                    <a:latin typeface="Cambria Math"/>
+                                  </a:rPr>
                                 </m:ctrlPr>
                               </m:dPr>
                               <m:e>
                                 <m:r>
-                                  <a:rPr lang="en-US" i="1"/>
+                                  <a:rPr lang="en-US" i="1">
+                                    <a:latin typeface="Cambria Math"/>
+                                  </a:rPr>
                                   <m:t>−</m:t>
                                 </m:r>
                                 <m:r>
-                                  <a:rPr lang="ru-RU" i="1"/>
+                                  <a:rPr lang="ru-RU" i="1">
+                                    <a:latin typeface="Cambria Math"/>
+                                  </a:rPr>
                                   <m:t>𝑥</m:t>
                                 </m:r>
                               </m:e>
@@ -9383,13 +9778,17 @@
                       </m:num>
                       <m:den>
                         <m:r>
-                          <a:rPr lang="en-US" i="1"/>
+                          <a:rPr lang="en-US" i="1">
+                            <a:latin typeface="Cambria Math"/>
+                          </a:rPr>
                           <m:t>1+</m:t>
                         </m:r>
                         <m:func>
                           <m:funcPr>
                             <m:ctrlPr>
-                              <a:rPr lang="ru-RU" i="1"/>
+                              <a:rPr lang="ru-RU" i="1">
+                                <a:latin typeface="Cambria Math"/>
+                              </a:rPr>
                             </m:ctrlPr>
                           </m:funcPr>
                           <m:fName>
@@ -9397,7 +9796,9 @@
                               <m:rPr>
                                 <m:sty m:val="p"/>
                               </m:rPr>
-                              <a:rPr lang="en-US"/>
+                              <a:rPr lang="en-US">
+                                <a:latin typeface="Cambria Math"/>
+                              </a:rPr>
                               <m:t>exp</m:t>
                             </m:r>
                           </m:fName>
@@ -9405,16 +9806,22 @@
                             <m:d>
                               <m:dPr>
                                 <m:ctrlPr>
-                                  <a:rPr lang="ru-RU" i="1"/>
+                                  <a:rPr lang="ru-RU" i="1">
+                                    <a:latin typeface="Cambria Math"/>
+                                  </a:rPr>
                                 </m:ctrlPr>
                               </m:dPr>
                               <m:e>
                                 <m:r>
-                                  <a:rPr lang="en-US" i="1"/>
+                                  <a:rPr lang="en-US" i="1">
+                                    <a:latin typeface="Cambria Math"/>
+                                  </a:rPr>
                                   <m:t>−</m:t>
                                 </m:r>
                                 <m:r>
-                                  <a:rPr lang="ru-RU" i="1"/>
+                                  <a:rPr lang="ru-RU" i="1">
+                                    <a:latin typeface="Cambria Math"/>
+                                  </a:rPr>
                                   <m:t>𝑥</m:t>
                                 </m:r>
                               </m:e>
@@ -9424,43 +9831,59 @@
                       </m:den>
                     </m:f>
                     <m:r>
-                      <a:rPr lang="en-US" i="1"/>
+                      <a:rPr lang="en-US" i="1">
+                        <a:latin typeface="Cambria Math"/>
+                      </a:rPr>
                       <m:t>=</m:t>
                     </m:r>
                     <m:f>
                       <m:fPr>
                         <m:ctrlPr>
-                          <a:rPr lang="ru-RU" i="1"/>
+                          <a:rPr lang="ru-RU" i="1">
+                            <a:latin typeface="Cambria Math"/>
+                          </a:rPr>
                         </m:ctrlPr>
                       </m:fPr>
                       <m:num>
                         <m:r>
-                          <a:rPr lang="en-US" i="1"/>
+                          <a:rPr lang="en-US" i="1">
+                            <a:latin typeface="Cambria Math"/>
+                          </a:rPr>
                           <m:t>1</m:t>
                         </m:r>
                       </m:num>
                       <m:den>
                         <m:r>
-                          <a:rPr lang="en-US" i="1"/>
+                          <a:rPr lang="en-US" i="1">
+                            <a:latin typeface="Cambria Math"/>
+                          </a:rPr>
                           <m:t>1+</m:t>
                         </m:r>
                         <m:r>
                           <m:rPr>
                             <m:sty m:val="p"/>
                           </m:rPr>
-                          <a:rPr lang="en-US"/>
+                          <a:rPr lang="en-US">
+                            <a:latin typeface="Cambria Math"/>
+                          </a:rPr>
                           <m:t>exp</m:t>
                         </m:r>
                         <m:r>
-                          <a:rPr lang="en-US" i="1"/>
+                          <a:rPr lang="en-US" i="1">
+                            <a:latin typeface="Cambria Math"/>
+                          </a:rPr>
                           <m:t>(</m:t>
                         </m:r>
                         <m:r>
-                          <a:rPr lang="en-US" i="1"/>
+                          <a:rPr lang="en-US" i="1">
+                            <a:latin typeface="Cambria Math"/>
+                          </a:rPr>
                           <m:t>𝑥</m:t>
                         </m:r>
                         <m:r>
-                          <a:rPr lang="en-US" i="1"/>
+                          <a:rPr lang="en-US" i="1">
+                            <a:latin typeface="Cambria Math"/>
+                          </a:rPr>
                           <m:t>)</m:t>
                         </m:r>
                       </m:den>
@@ -9484,44 +9907,62 @@
                 <a14:m>
                   <m:oMath xmlns:m="http://schemas.openxmlformats.org/officeDocument/2006/math">
                     <m:r>
-                      <a:rPr lang="en-US" i="1"/>
+                      <a:rPr lang="en-US" i="1">
+                        <a:latin typeface="Cambria Math"/>
+                      </a:rPr>
                       <m:t>1−</m:t>
                     </m:r>
                     <m:r>
-                      <a:rPr lang="ru-RU" i="1"/>
+                      <a:rPr lang="ru-RU" i="1">
+                        <a:latin typeface="Cambria Math"/>
+                      </a:rPr>
                       <m:t>𝑓</m:t>
                     </m:r>
                     <m:d>
                       <m:dPr>
                         <m:ctrlPr>
-                          <a:rPr lang="ru-RU" i="1"/>
+                          <a:rPr lang="ru-RU" i="1">
+                            <a:latin typeface="Cambria Math"/>
+                          </a:rPr>
                         </m:ctrlPr>
                       </m:dPr>
                       <m:e>
                         <m:r>
-                          <a:rPr lang="ru-RU" i="1"/>
+                          <a:rPr lang="ru-RU" i="1">
+                            <a:latin typeface="Cambria Math"/>
+                          </a:rPr>
                           <m:t>𝑥</m:t>
                         </m:r>
                       </m:e>
                     </m:d>
                     <m:r>
-                      <a:rPr lang="ru-RU" i="1"/>
+                      <a:rPr lang="ru-RU" i="1">
+                        <a:latin typeface="Cambria Math"/>
+                      </a:rPr>
                       <m:t>=</m:t>
                     </m:r>
                     <m:r>
-                      <a:rPr lang="ru-RU" i="1"/>
+                      <a:rPr lang="ru-RU" i="1">
+                        <a:latin typeface="Cambria Math"/>
+                      </a:rPr>
                       <m:t>𝑓</m:t>
                     </m:r>
                     <m:r>
-                      <a:rPr lang="ru-RU" i="1"/>
+                      <a:rPr lang="ru-RU" i="1">
+                        <a:latin typeface="Cambria Math"/>
+                      </a:rPr>
                       <m:t>(−</m:t>
                     </m:r>
                     <m:r>
-                      <a:rPr lang="ru-RU" i="1"/>
+                      <a:rPr lang="ru-RU" i="1">
+                        <a:latin typeface="Cambria Math"/>
+                      </a:rPr>
                       <m:t>𝑥</m:t>
                     </m:r>
                     <m:r>
-                      <a:rPr lang="ru-RU" i="1"/>
+                      <a:rPr lang="ru-RU" i="1">
+                        <a:latin typeface="Cambria Math"/>
+                      </a:rPr>
                       <m:t>)</m:t>
                     </m:r>
                   </m:oMath>
@@ -9604,12 +10045,16 @@
                         <m:pos m:val="top"/>
                         <m:vertJc m:val="bot"/>
                         <m:ctrlPr>
-                          <a:rPr lang="ru-RU" i="1"/>
+                          <a:rPr lang="ru-RU" i="1">
+                            <a:latin typeface="Cambria Math"/>
+                          </a:rPr>
                         </m:ctrlPr>
                       </m:groupChrPr>
                       <m:e>
                         <m:r>
-                          <a:rPr lang="ru-RU" i="1"/>
+                          <a:rPr lang="ru-RU" i="1">
+                            <a:latin typeface="Cambria Math"/>
+                          </a:rPr>
                           <m:t>𝑓</m:t>
                         </m:r>
                       </m:e>
@@ -9617,41 +10062,55 @@
                     <m:d>
                       <m:dPr>
                         <m:ctrlPr>
-                          <a:rPr lang="ru-RU" i="1"/>
+                          <a:rPr lang="ru-RU" i="1">
+                            <a:latin typeface="Cambria Math"/>
+                          </a:rPr>
                         </m:ctrlPr>
                       </m:dPr>
                       <m:e>
                         <m:r>
-                          <a:rPr lang="ru-RU" i="1"/>
+                          <a:rPr lang="ru-RU" i="1">
+                            <a:latin typeface="Cambria Math"/>
+                          </a:rPr>
                           <m:t>𝑥</m:t>
                         </m:r>
                       </m:e>
                     </m:d>
                     <m:r>
-                      <a:rPr lang="en-US" i="1"/>
+                      <a:rPr lang="en-US" i="1">
+                        <a:latin typeface="Cambria Math"/>
+                      </a:rPr>
                       <m:t>=</m:t>
                     </m:r>
                     <m:f>
                       <m:fPr>
                         <m:ctrlPr>
-                          <a:rPr lang="ru-RU" i="1"/>
+                          <a:rPr lang="ru-RU" i="1">
+                            <a:latin typeface="Cambria Math"/>
+                          </a:rPr>
                         </m:ctrlPr>
                       </m:fPr>
                       <m:num>
                         <m:r>
-                          <a:rPr lang="en-US" i="1"/>
+                          <a:rPr lang="en-US" i="1">
+                            <a:latin typeface="Cambria Math"/>
+                          </a:rPr>
                           <m:t>1</m:t>
                         </m:r>
                       </m:num>
                       <m:den>
                         <m:r>
-                          <a:rPr lang="en-US" i="1"/>
+                          <a:rPr lang="en-US" i="1">
+                            <a:latin typeface="Cambria Math"/>
+                          </a:rPr>
                           <m:t>1+</m:t>
                         </m:r>
                         <m:func>
                           <m:funcPr>
                             <m:ctrlPr>
-                              <a:rPr lang="ru-RU" i="1"/>
+                              <a:rPr lang="ru-RU" i="1">
+                                <a:latin typeface="Cambria Math"/>
+                              </a:rPr>
                             </m:ctrlPr>
                           </m:funcPr>
                           <m:fName>
@@ -9659,7 +10118,9 @@
                               <m:rPr>
                                 <m:sty m:val="p"/>
                               </m:rPr>
-                              <a:rPr lang="en-US"/>
+                              <a:rPr lang="en-US">
+                                <a:latin typeface="Cambria Math"/>
+                              </a:rPr>
                               <m:t>exp</m:t>
                             </m:r>
                           </m:fName>
@@ -9667,16 +10128,22 @@
                             <m:d>
                               <m:dPr>
                                 <m:ctrlPr>
-                                  <a:rPr lang="ru-RU" i="1"/>
+                                  <a:rPr lang="ru-RU" i="1">
+                                    <a:latin typeface="Cambria Math"/>
+                                  </a:rPr>
                                 </m:ctrlPr>
                               </m:dPr>
                               <m:e>
                                 <m:r>
-                                  <a:rPr lang="en-US" i="1"/>
+                                  <a:rPr lang="en-US" i="1">
+                                    <a:latin typeface="Cambria Math"/>
+                                  </a:rPr>
                                   <m:t>−</m:t>
                                 </m:r>
                                 <m:r>
-                                  <a:rPr lang="ru-RU" i="1"/>
+                                  <a:rPr lang="ru-RU" i="1">
+                                    <a:latin typeface="Cambria Math"/>
+                                  </a:rPr>
                                   <m:t>𝑥</m:t>
                                 </m:r>
                               </m:e>
@@ -9686,91 +10153,123 @@
                       </m:den>
                     </m:f>
                     <m:r>
-                      <a:rPr lang="ru-RU" i="1"/>
+                      <a:rPr lang="ru-RU" i="1">
+                        <a:latin typeface="Cambria Math"/>
+                      </a:rPr>
                       <m:t>=</m:t>
                     </m:r>
                     <m:f>
                       <m:fPr>
                         <m:ctrlPr>
-                          <a:rPr lang="ru-RU" i="1"/>
+                          <a:rPr lang="ru-RU" i="1">
+                            <a:latin typeface="Cambria Math"/>
+                          </a:rPr>
                         </m:ctrlPr>
                       </m:fPr>
                       <m:num>
                         <m:r>
-                          <a:rPr lang="ru-RU" i="1"/>
+                          <a:rPr lang="ru-RU" i="1">
+                            <a:latin typeface="Cambria Math"/>
+                          </a:rPr>
                           <m:t>1</m:t>
                         </m:r>
                       </m:num>
                       <m:den>
                         <m:r>
-                          <a:rPr lang="ru-RU" i="1"/>
+                          <a:rPr lang="ru-RU" i="1">
+                            <a:latin typeface="Cambria Math"/>
+                          </a:rPr>
                           <m:t>1+</m:t>
                         </m:r>
                         <m:d>
                           <m:dPr>
                             <m:ctrlPr>
-                              <a:rPr lang="ru-RU" i="1"/>
+                              <a:rPr lang="ru-RU" i="1">
+                                <a:latin typeface="Cambria Math"/>
+                              </a:rPr>
                             </m:ctrlPr>
                           </m:dPr>
                           <m:e>
                             <m:r>
-                              <a:rPr lang="ru-RU" i="1"/>
+                              <a:rPr lang="ru-RU" i="1">
+                                <a:latin typeface="Cambria Math"/>
+                              </a:rPr>
                               <m:t>1+</m:t>
                             </m:r>
                             <m:f>
                               <m:fPr>
                                 <m:ctrlPr>
-                                  <a:rPr lang="ru-RU" i="1"/>
+                                  <a:rPr lang="ru-RU" i="1">
+                                    <a:latin typeface="Cambria Math"/>
+                                  </a:rPr>
                                 </m:ctrlPr>
                               </m:fPr>
                               <m:num>
                                 <m:r>
-                                  <a:rPr lang="ru-RU" i="1"/>
+                                  <a:rPr lang="ru-RU" i="1">
+                                    <a:latin typeface="Cambria Math"/>
+                                  </a:rPr>
                                   <m:t>−</m:t>
                                 </m:r>
                                 <m:r>
-                                  <a:rPr lang="ru-RU" i="1"/>
+                                  <a:rPr lang="ru-RU" i="1">
+                                    <a:latin typeface="Cambria Math"/>
+                                  </a:rPr>
                                   <m:t>𝑥</m:t>
                                 </m:r>
                               </m:num>
                               <m:den>
                                 <m:r>
-                                  <a:rPr lang="ru-RU" i="1"/>
+                                  <a:rPr lang="ru-RU" i="1">
+                                    <a:latin typeface="Cambria Math"/>
+                                  </a:rPr>
                                   <m:t>1!</m:t>
                                 </m:r>
                               </m:den>
                             </m:f>
                             <m:r>
-                              <a:rPr lang="ru-RU" i="1"/>
+                              <a:rPr lang="ru-RU" i="1">
+                                <a:latin typeface="Cambria Math"/>
+                              </a:rPr>
                               <m:t>+</m:t>
                             </m:r>
                             <m:f>
                               <m:fPr>
                                 <m:ctrlPr>
-                                  <a:rPr lang="ru-RU" i="1"/>
+                                  <a:rPr lang="ru-RU" i="1">
+                                    <a:latin typeface="Cambria Math"/>
+                                  </a:rPr>
                                 </m:ctrlPr>
                               </m:fPr>
                               <m:num>
                                 <m:sSup>
                                   <m:sSupPr>
                                     <m:ctrlPr>
-                                      <a:rPr lang="ru-RU" i="1"/>
+                                      <a:rPr lang="ru-RU" i="1">
+                                        <a:latin typeface="Cambria Math"/>
+                                      </a:rPr>
                                     </m:ctrlPr>
                                   </m:sSupPr>
                                   <m:e>
                                     <m:d>
                                       <m:dPr>
                                         <m:ctrlPr>
-                                          <a:rPr lang="ru-RU" i="1"/>
+                                          <a:rPr lang="ru-RU" i="1">
+                                            <a:latin typeface="Cambria Math"/>
+                                          </a:rPr>
                                         </m:ctrlPr>
                                       </m:dPr>
                                       <m:e>
                                         <m:r>
-                                          <a:rPr lang="ru-RU" i="1"/>
+                                          <a:rPr lang="ru-RU" i="1">
+                                            <a:latin typeface="Cambria Math"/>
+                                          </a:rPr>
                                           <m:t>−</m:t>
                                         </m:r>
                                         <m:r>
-                                          <a:rPr lang="ru-RU" i="1"/>
+                                          <a:rPr lang="ru-RU" i="1">
+                                            <a:latin typeface="Cambria Math"/>
+                                          </a:rPr>
                                           <m:t>𝑥</m:t>
                                         </m:r>
                                       </m:e>
@@ -9778,7 +10277,9 @@
                                   </m:e>
                                   <m:sup>
                                     <m:r>
-                                      <a:rPr lang="ru-RU" i="1"/>
+                                      <a:rPr lang="ru-RU" i="1">
+                                        <a:latin typeface="Cambria Math"/>
+                                      </a:rPr>
                                       <m:t>2</m:t>
                                     </m:r>
                                   </m:sup>
@@ -9786,13 +10287,17 @@
                               </m:num>
                               <m:den>
                                 <m:r>
-                                  <a:rPr lang="ru-RU" i="1"/>
+                                  <a:rPr lang="ru-RU" i="1">
+                                    <a:latin typeface="Cambria Math"/>
+                                  </a:rPr>
                                   <m:t>2!</m:t>
                                 </m:r>
                               </m:den>
                             </m:f>
                             <m:r>
-                              <a:rPr lang="ru-RU" i="1"/>
+                              <a:rPr lang="ru-RU" i="1">
+                                <a:latin typeface="Cambria Math"/>
+                              </a:rPr>
                               <m:t>+…</m:t>
                             </m:r>
                           </m:e>
@@ -9812,7 +10317,7 @@
             </p:txBody>
           </p:sp>
         </mc:Choice>
-        <mc:Fallback>
+        <mc:Fallback xmlns="">
           <p:sp>
             <p:nvSpPr>
               <p:cNvPr id="3" name="Объект 2"/>
@@ -14927,8 +15432,8 @@
           </a:p>
         </p:txBody>
       </p:sp>
-      <mc:AlternateContent xmlns:mc="http://schemas.openxmlformats.org/markup-compatibility/2006">
-        <mc:Choice xmlns:a14="http://schemas.microsoft.com/office/drawing/2010/main" Requires="a14">
+      <mc:AlternateContent xmlns:mc="http://schemas.openxmlformats.org/markup-compatibility/2006" xmlns:a14="http://schemas.microsoft.com/office/drawing/2010/main">
+        <mc:Choice Requires="a14">
           <p:sp>
             <p:nvSpPr>
               <p:cNvPr id="7" name="Прямоугольник 6"/>
@@ -15163,7 +15668,7 @@
             </p:txBody>
           </p:sp>
         </mc:Choice>
-        <mc:Fallback>
+        <mc:Fallback xmlns="">
           <p:sp>
             <p:nvSpPr>
               <p:cNvPr id="7" name="Прямоугольник 6"/>
@@ -16047,8 +16552,8 @@
           </a:p>
         </p:txBody>
       </p:sp>
-      <mc:AlternateContent xmlns:mc="http://schemas.openxmlformats.org/markup-compatibility/2006">
-        <mc:Choice xmlns:a14="http://schemas.microsoft.com/office/drawing/2010/main" Requires="a14">
+      <mc:AlternateContent xmlns:mc="http://schemas.openxmlformats.org/markup-compatibility/2006" xmlns:a14="http://schemas.microsoft.com/office/drawing/2010/main">
+        <mc:Choice Requires="a14">
           <p:sp>
             <p:nvSpPr>
               <p:cNvPr id="3" name="Объект 2"/>
@@ -16077,12 +16582,16 @@
                         <m:pos m:val="top"/>
                         <m:vertJc m:val="bot"/>
                         <m:ctrlPr>
-                          <a:rPr lang="ru-RU" i="1" smtClean="0"/>
+                          <a:rPr lang="ru-RU" i="1" smtClean="0">
+                            <a:latin typeface="Cambria Math"/>
+                          </a:rPr>
                         </m:ctrlPr>
                       </m:groupChrPr>
                       <m:e>
                         <m:r>
-                          <a:rPr lang="en-US" i="1"/>
+                          <a:rPr lang="en-US" i="1">
+                            <a:latin typeface="Cambria Math"/>
+                          </a:rPr>
                           <m:t>𝐹</m:t>
                         </m:r>
                       </m:e>
@@ -16090,18 +16599,24 @@
                     <m:d>
                       <m:dPr>
                         <m:ctrlPr>
-                          <a:rPr lang="ru-RU" i="1"/>
+                          <a:rPr lang="ru-RU" i="1">
+                            <a:latin typeface="Cambria Math"/>
+                          </a:rPr>
                         </m:ctrlPr>
                       </m:dPr>
                       <m:e>
                         <m:r>
-                          <a:rPr lang="en-US" i="1"/>
+                          <a:rPr lang="en-US" i="1">
+                            <a:latin typeface="Cambria Math"/>
+                          </a:rPr>
                           <m:t>𝑥</m:t>
                         </m:r>
                       </m:e>
                     </m:d>
                     <m:r>
-                      <a:rPr lang="en-US" i="1"/>
+                      <a:rPr lang="en-US" i="1">
+                        <a:latin typeface="Cambria Math"/>
+                      </a:rPr>
                       <m:t>=</m:t>
                     </m:r>
                     <m:nary>
@@ -16109,22 +16624,30 @@
                         <m:chr m:val="∑"/>
                         <m:limLoc m:val="undOvr"/>
                         <m:ctrlPr>
-                          <a:rPr lang="ru-RU" i="1"/>
+                          <a:rPr lang="ru-RU" i="1">
+                            <a:latin typeface="Cambria Math"/>
+                          </a:rPr>
                         </m:ctrlPr>
                       </m:naryPr>
                       <m:sub>
                         <m:r>
-                          <a:rPr lang="en-US" i="1"/>
+                          <a:rPr lang="en-US" i="1">
+                            <a:latin typeface="Cambria Math"/>
+                          </a:rPr>
                           <m:t>𝑚</m:t>
                         </m:r>
                         <m:r>
-                          <a:rPr lang="en-US" i="1"/>
+                          <a:rPr lang="en-US" i="1">
+                            <a:latin typeface="Cambria Math"/>
+                          </a:rPr>
                           <m:t>=1</m:t>
                         </m:r>
                       </m:sub>
                       <m:sup>
                         <m:r>
-                          <a:rPr lang="en-US" i="1"/>
+                          <a:rPr lang="en-US" i="1">
+                            <a:latin typeface="Cambria Math"/>
+                          </a:rPr>
                           <m:t>𝑀</m:t>
                         </m:r>
                       </m:sup>
@@ -16132,59 +16655,81 @@
                         <m:sSub>
                           <m:sSubPr>
                             <m:ctrlPr>
-                              <a:rPr lang="ru-RU" i="1"/>
+                              <a:rPr lang="ru-RU" i="1">
+                                <a:latin typeface="Cambria Math"/>
+                              </a:rPr>
                             </m:ctrlPr>
                           </m:sSubPr>
                           <m:e>
                             <m:r>
-                              <a:rPr lang="en-US" i="1"/>
+                              <a:rPr lang="en-US" i="1">
+                                <a:latin typeface="Cambria Math"/>
+                              </a:rPr>
                               <m:t>𝑏</m:t>
                             </m:r>
                           </m:e>
                           <m:sub>
                             <m:r>
-                              <a:rPr lang="en-US" i="1"/>
+                              <a:rPr lang="en-US" i="1">
+                                <a:latin typeface="Cambria Math"/>
+                              </a:rPr>
                               <m:t>𝑚</m:t>
                             </m:r>
                           </m:sub>
                         </m:sSub>
                         <m:r>
-                          <a:rPr lang="en-US" i="1"/>
+                          <a:rPr lang="en-US" i="1">
+                            <a:latin typeface="Cambria Math"/>
+                          </a:rPr>
                           <m:t>∙</m:t>
                         </m:r>
                         <m:r>
-                          <a:rPr lang="en-US" i="1"/>
+                          <a:rPr lang="en-US" i="1">
+                            <a:latin typeface="Cambria Math"/>
+                          </a:rPr>
                           <m:t>𝑆</m:t>
                         </m:r>
                         <m:r>
-                          <a:rPr lang="en-US" i="1"/>
+                          <a:rPr lang="en-US" i="1">
+                            <a:latin typeface="Cambria Math"/>
+                          </a:rPr>
                           <m:t>(</m:t>
                         </m:r>
                         <m:sSub>
                           <m:sSubPr>
                             <m:ctrlPr>
-                              <a:rPr lang="ru-RU" i="1"/>
+                              <a:rPr lang="ru-RU" i="1">
+                                <a:latin typeface="Cambria Math"/>
+                              </a:rPr>
                             </m:ctrlPr>
                           </m:sSubPr>
                           <m:e>
                             <m:r>
-                              <a:rPr lang="en-US" i="1"/>
+                              <a:rPr lang="en-US" i="1">
+                                <a:latin typeface="Cambria Math"/>
+                              </a:rPr>
                               <m:t>𝑎</m:t>
                             </m:r>
                           </m:e>
                           <m:sub>
                             <m:r>
-                              <a:rPr lang="en-US" i="1"/>
+                              <a:rPr lang="en-US" i="1">
+                                <a:latin typeface="Cambria Math"/>
+                              </a:rPr>
                               <m:t>0</m:t>
                             </m:r>
                             <m:r>
-                              <a:rPr lang="en-US" i="1"/>
+                              <a:rPr lang="en-US" i="1">
+                                <a:latin typeface="Cambria Math"/>
+                              </a:rPr>
                               <m:t>𝑚</m:t>
                             </m:r>
                           </m:sub>
                         </m:sSub>
                         <m:r>
-                          <a:rPr lang="en-US" i="1"/>
+                          <a:rPr lang="en-US" i="1">
+                            <a:latin typeface="Cambria Math"/>
+                          </a:rPr>
                           <m:t>+</m:t>
                         </m:r>
                         <m:nary>
@@ -16192,22 +16737,30 @@
                             <m:chr m:val="∑"/>
                             <m:limLoc m:val="undOvr"/>
                             <m:ctrlPr>
-                              <a:rPr lang="ru-RU" i="1"/>
+                              <a:rPr lang="ru-RU" i="1">
+                                <a:latin typeface="Cambria Math"/>
+                              </a:rPr>
                             </m:ctrlPr>
                           </m:naryPr>
                           <m:sub>
                             <m:r>
-                              <a:rPr lang="en-US" i="1"/>
+                              <a:rPr lang="en-US" i="1">
+                                <a:latin typeface="Cambria Math"/>
+                              </a:rPr>
                               <m:t>𝑗</m:t>
                             </m:r>
                             <m:r>
-                              <a:rPr lang="en-US" i="1"/>
+                              <a:rPr lang="en-US" i="1">
+                                <a:latin typeface="Cambria Math"/>
+                              </a:rPr>
                               <m:t>=1</m:t>
                             </m:r>
                           </m:sub>
                           <m:sup>
                             <m:r>
-                              <a:rPr lang="en-US" i="1"/>
+                              <a:rPr lang="en-US" i="1">
+                                <a:latin typeface="Cambria Math"/>
+                              </a:rPr>
                               <m:t>𝑛</m:t>
                             </m:r>
                           </m:sup>
@@ -16215,18 +16768,24 @@
                             <m:sSub>
                               <m:sSubPr>
                                 <m:ctrlPr>
-                                  <a:rPr lang="ru-RU" i="1"/>
+                                  <a:rPr lang="ru-RU" i="1">
+                                    <a:latin typeface="Cambria Math"/>
+                                  </a:rPr>
                                 </m:ctrlPr>
                               </m:sSubPr>
                               <m:e>
                                 <m:r>
-                                  <a:rPr lang="en-US" i="1"/>
+                                  <a:rPr lang="en-US" i="1">
+                                    <a:latin typeface="Cambria Math"/>
+                                  </a:rPr>
                                   <m:t>𝑎</m:t>
                                 </m:r>
                               </m:e>
                               <m:sub>
                                 <m:r>
-                                  <a:rPr lang="en-US" i="1"/>
+                                  <a:rPr lang="en-US" i="1">
+                                    <a:latin typeface="Cambria Math"/>
+                                  </a:rPr>
                                   <m:t>𝑗𝑚</m:t>
                                 </m:r>
                               </m:sub>
@@ -16234,18 +16793,24 @@
                             <m:sSub>
                               <m:sSubPr>
                                 <m:ctrlPr>
-                                  <a:rPr lang="ru-RU" i="1"/>
+                                  <a:rPr lang="ru-RU" i="1">
+                                    <a:latin typeface="Cambria Math"/>
+                                  </a:rPr>
                                 </m:ctrlPr>
                               </m:sSubPr>
                               <m:e>
                                 <m:r>
-                                  <a:rPr lang="en-US" i="1"/>
+                                  <a:rPr lang="en-US" i="1">
+                                    <a:latin typeface="Cambria Math"/>
+                                  </a:rPr>
                                   <m:t>𝑥</m:t>
                                 </m:r>
                               </m:e>
                               <m:sub>
                                 <m:r>
-                                  <a:rPr lang="en-US" i="1"/>
+                                  <a:rPr lang="en-US" i="1">
+                                    <a:latin typeface="Cambria Math"/>
+                                  </a:rPr>
                                   <m:t>𝑗</m:t>
                                 </m:r>
                               </m:sub>
@@ -16253,30 +16818,40 @@
                           </m:e>
                         </m:nary>
                         <m:r>
-                          <a:rPr lang="en-US" i="1"/>
+                          <a:rPr lang="en-US" i="1">
+                            <a:latin typeface="Cambria Math"/>
+                          </a:rPr>
                           <m:t>)</m:t>
                         </m:r>
                       </m:e>
                     </m:nary>
                     <m:r>
-                      <a:rPr lang="en-US" i="1"/>
+                      <a:rPr lang="en-US" i="1">
+                        <a:latin typeface="Cambria Math"/>
+                      </a:rPr>
                       <m:t>+</m:t>
                     </m:r>
                     <m:sSub>
                       <m:sSubPr>
                         <m:ctrlPr>
-                          <a:rPr lang="ru-RU" i="1"/>
+                          <a:rPr lang="ru-RU" i="1">
+                            <a:latin typeface="Cambria Math"/>
+                          </a:rPr>
                         </m:ctrlPr>
                       </m:sSubPr>
                       <m:e>
                         <m:r>
-                          <a:rPr lang="en-US" i="1"/>
+                          <a:rPr lang="en-US" i="1">
+                            <a:latin typeface="Cambria Math"/>
+                          </a:rPr>
                           <m:t>𝑏</m:t>
                         </m:r>
                       </m:e>
                       <m:sub>
                         <m:r>
-                          <a:rPr lang="en-US" i="1"/>
+                          <a:rPr lang="en-US" i="1">
+                            <a:latin typeface="Cambria Math"/>
+                          </a:rPr>
                           <m:t>0</m:t>
                         </m:r>
                       </m:sub>
@@ -16316,24 +16891,32 @@
                     <m:sSub>
                       <m:sSubPr>
                         <m:ctrlPr>
-                          <a:rPr lang="ru-RU" i="1"/>
+                          <a:rPr lang="ru-RU" i="1">
+                            <a:latin typeface="Cambria Math"/>
+                          </a:rPr>
                         </m:ctrlPr>
                       </m:sSubPr>
                       <m:e>
                         <m:r>
-                          <a:rPr lang="en-US" i="1"/>
+                          <a:rPr lang="en-US" i="1">
+                            <a:latin typeface="Cambria Math"/>
+                          </a:rPr>
                           <m:t>𝑥</m:t>
                         </m:r>
                       </m:e>
                       <m:sub>
                         <m:r>
-                          <a:rPr lang="en-US" i="1"/>
+                          <a:rPr lang="en-US" i="1">
+                            <a:latin typeface="Cambria Math"/>
+                          </a:rPr>
                           <m:t>0</m:t>
                         </m:r>
                       </m:sub>
                     </m:sSub>
                     <m:r>
-                      <a:rPr lang="en-US" i="1"/>
+                      <a:rPr lang="en-US" i="1">
+                        <a:latin typeface="Cambria Math"/>
+                      </a:rPr>
                       <m:t>=1</m:t>
                     </m:r>
                   </m:oMath>
@@ -16355,24 +16938,32 @@
                     <m:sSub>
                       <m:sSubPr>
                         <m:ctrlPr>
-                          <a:rPr lang="ru-RU" i="1"/>
+                          <a:rPr lang="ru-RU" i="1">
+                            <a:latin typeface="Cambria Math"/>
+                          </a:rPr>
                         </m:ctrlPr>
                       </m:sSubPr>
                       <m:e>
                         <m:r>
-                          <a:rPr lang="en-US" i="1"/>
+                          <a:rPr lang="en-US" i="1">
+                            <a:latin typeface="Cambria Math"/>
+                          </a:rPr>
                           <m:t>𝑆</m:t>
                         </m:r>
                       </m:e>
                       <m:sub>
                         <m:r>
-                          <a:rPr lang="en-US" i="1"/>
+                          <a:rPr lang="en-US" i="1">
+                            <a:latin typeface="Cambria Math"/>
+                          </a:rPr>
                           <m:t>0</m:t>
                         </m:r>
                       </m:sub>
                     </m:sSub>
                     <m:r>
-                      <a:rPr lang="en-US" i="1"/>
+                      <a:rPr lang="en-US" i="1">
+                        <a:latin typeface="Cambria Math"/>
+                      </a:rPr>
                       <m:t>=1</m:t>
                     </m:r>
                   </m:oMath>
@@ -16425,12 +17016,16 @@
                           <m:pos m:val="top"/>
                           <m:vertJc m:val="bot"/>
                           <m:ctrlPr>
-                            <a:rPr lang="ru-RU" i="1"/>
+                            <a:rPr lang="ru-RU" i="1">
+                              <a:latin typeface="Cambria Math"/>
+                            </a:rPr>
                           </m:ctrlPr>
                         </m:groupChrPr>
                         <m:e>
                           <m:r>
-                            <a:rPr lang="en-US" i="1"/>
+                            <a:rPr lang="en-US" i="1">
+                              <a:latin typeface="Cambria Math"/>
+                            </a:rPr>
                             <m:t>𝐹</m:t>
                           </m:r>
                         </m:e>
@@ -16438,12 +17033,16 @@
                       <m:d>
                         <m:dPr>
                           <m:ctrlPr>
-                            <a:rPr lang="ru-RU" i="1"/>
+                            <a:rPr lang="ru-RU" i="1">
+                              <a:latin typeface="Cambria Math"/>
+                            </a:rPr>
                           </m:ctrlPr>
                         </m:dPr>
                         <m:e>
                           <m:r>
-                            <a:rPr lang="en-US" i="1"/>
+                            <a:rPr lang="en-US" i="1">
+                              <a:latin typeface="Cambria Math"/>
+                            </a:rPr>
                             <m:t>𝑥</m:t>
                           </m:r>
                           <m:r>
@@ -16482,7 +17081,9 @@
                         </m:e>
                       </m:d>
                       <m:r>
-                        <a:rPr lang="en-US" i="1"/>
+                        <a:rPr lang="en-US" i="1">
+                          <a:latin typeface="Cambria Math"/>
+                        </a:rPr>
                         <m:t>=</m:t>
                       </m:r>
                       <m:nary>
@@ -16490,22 +17091,30 @@
                           <m:chr m:val="∑"/>
                           <m:limLoc m:val="undOvr"/>
                           <m:ctrlPr>
-                            <a:rPr lang="ru-RU" i="1"/>
+                            <a:rPr lang="ru-RU" i="1">
+                              <a:latin typeface="Cambria Math"/>
+                            </a:rPr>
                           </m:ctrlPr>
                         </m:naryPr>
                         <m:sub>
                           <m:r>
-                            <a:rPr lang="en-US" i="1"/>
+                            <a:rPr lang="en-US" i="1">
+                              <a:latin typeface="Cambria Math"/>
+                            </a:rPr>
                             <m:t>𝑚</m:t>
                           </m:r>
                           <m:r>
-                            <a:rPr lang="en-US" i="1"/>
+                            <a:rPr lang="en-US" i="1">
+                              <a:latin typeface="Cambria Math"/>
+                            </a:rPr>
                             <m:t>=0</m:t>
                           </m:r>
                         </m:sub>
                         <m:sup>
                           <m:r>
-                            <a:rPr lang="en-US" i="1"/>
+                            <a:rPr lang="en-US" i="1">
+                              <a:latin typeface="Cambria Math"/>
+                            </a:rPr>
                             <m:t>𝑀</m:t>
                           </m:r>
                         </m:sup>
@@ -16517,6 +17126,7 @@
                                   <a:solidFill>
                                     <a:srgbClr val="FF0000"/>
                                   </a:solidFill>
+                                  <a:latin typeface="Cambria Math"/>
                                 </a:rPr>
                               </m:ctrlPr>
                             </m:sSubPr>
@@ -16526,6 +17136,7 @@
                                   <a:solidFill>
                                     <a:srgbClr val="FF0000"/>
                                   </a:solidFill>
+                                  <a:latin typeface="Cambria Math"/>
                                 </a:rPr>
                                 <m:t>𝑏</m:t>
                               </m:r>
@@ -16536,36 +17147,47 @@
                                   <a:solidFill>
                                     <a:srgbClr val="FF0000"/>
                                   </a:solidFill>
+                                  <a:latin typeface="Cambria Math"/>
                                 </a:rPr>
                                 <m:t>𝑚</m:t>
                               </m:r>
                             </m:sub>
                           </m:sSub>
                           <m:r>
-                            <a:rPr lang="en-US" i="1"/>
+                            <a:rPr lang="en-US" i="1">
+                              <a:latin typeface="Cambria Math"/>
+                            </a:rPr>
                             <m:t>∙</m:t>
                           </m:r>
                           <m:sSub>
                             <m:sSubPr>
                               <m:ctrlPr>
-                                <a:rPr lang="ru-RU" i="1"/>
+                                <a:rPr lang="ru-RU" i="1">
+                                  <a:latin typeface="Cambria Math"/>
+                                </a:rPr>
                               </m:ctrlPr>
                             </m:sSubPr>
                             <m:e>
                               <m:r>
-                                <a:rPr lang="en-US" i="1"/>
+                                <a:rPr lang="en-US" i="1">
+                                  <a:latin typeface="Cambria Math"/>
+                                </a:rPr>
                                 <m:t>𝑆</m:t>
                               </m:r>
                             </m:e>
                             <m:sub>
                               <m:r>
-                                <a:rPr lang="en-US" i="1"/>
+                                <a:rPr lang="en-US" i="1">
+                                  <a:latin typeface="Cambria Math"/>
+                                </a:rPr>
                                 <m:t>𝑚</m:t>
                               </m:r>
                             </m:sub>
                           </m:sSub>
                           <m:r>
-                            <a:rPr lang="en-US" i="1"/>
+                            <a:rPr lang="en-US" i="1">
+                              <a:latin typeface="Cambria Math"/>
+                            </a:rPr>
                             <m:t>(</m:t>
                           </m:r>
                           <m:nary>
@@ -16573,22 +17195,30 @@
                               <m:chr m:val="∑"/>
                               <m:limLoc m:val="undOvr"/>
                               <m:ctrlPr>
-                                <a:rPr lang="ru-RU" i="1"/>
+                                <a:rPr lang="ru-RU" i="1">
+                                  <a:latin typeface="Cambria Math"/>
+                                </a:rPr>
                               </m:ctrlPr>
                             </m:naryPr>
                             <m:sub>
                               <m:r>
-                                <a:rPr lang="en-US" i="1"/>
+                                <a:rPr lang="en-US" i="1">
+                                  <a:latin typeface="Cambria Math"/>
+                                </a:rPr>
                                 <m:t>𝑗</m:t>
                               </m:r>
                               <m:r>
-                                <a:rPr lang="en-US" i="1"/>
+                                <a:rPr lang="en-US" i="1">
+                                  <a:latin typeface="Cambria Math"/>
+                                </a:rPr>
                                 <m:t>=0</m:t>
                               </m:r>
                             </m:sub>
                             <m:sup>
                               <m:r>
-                                <a:rPr lang="en-US" i="1"/>
+                                <a:rPr lang="en-US" i="1">
+                                  <a:latin typeface="Cambria Math"/>
+                                </a:rPr>
                                 <m:t>𝑛</m:t>
                               </m:r>
                             </m:sup>
@@ -16600,6 +17230,7 @@
                                       <a:solidFill>
                                         <a:srgbClr val="FF0000"/>
                                       </a:solidFill>
+                                      <a:latin typeface="Cambria Math"/>
                                     </a:rPr>
                                   </m:ctrlPr>
                                 </m:sSubPr>
@@ -16609,6 +17240,7 @@
                                       <a:solidFill>
                                         <a:srgbClr val="FF0000"/>
                                       </a:solidFill>
+                                      <a:latin typeface="Cambria Math"/>
                                     </a:rPr>
                                     <m:t>𝑎</m:t>
                                   </m:r>
@@ -16619,6 +17251,7 @@
                                       <a:solidFill>
                                         <a:srgbClr val="FF0000"/>
                                       </a:solidFill>
+                                      <a:latin typeface="Cambria Math"/>
                                     </a:rPr>
                                     <m:t>𝑗𝑚</m:t>
                                   </m:r>
@@ -16627,18 +17260,24 @@
                               <m:sSub>
                                 <m:sSubPr>
                                   <m:ctrlPr>
-                                    <a:rPr lang="ru-RU" i="1"/>
+                                    <a:rPr lang="ru-RU" i="1">
+                                      <a:latin typeface="Cambria Math"/>
+                                    </a:rPr>
                                   </m:ctrlPr>
                                 </m:sSubPr>
                                 <m:e>
                                   <m:r>
-                                    <a:rPr lang="en-US" i="1"/>
+                                    <a:rPr lang="en-US" i="1">
+                                      <a:latin typeface="Cambria Math"/>
+                                    </a:rPr>
                                     <m:t>𝑥</m:t>
                                   </m:r>
                                 </m:e>
                                 <m:sub>
                                   <m:r>
-                                    <a:rPr lang="en-US" i="1"/>
+                                    <a:rPr lang="en-US" i="1">
+                                      <a:latin typeface="Cambria Math"/>
+                                    </a:rPr>
                                     <m:t>𝑗</m:t>
                                   </m:r>
                                 </m:sub>
@@ -16646,7 +17285,9 @@
                             </m:e>
                           </m:nary>
                           <m:r>
-                            <a:rPr lang="en-US" i="1"/>
+                            <a:rPr lang="en-US" i="1">
+                              <a:latin typeface="Cambria Math"/>
+                            </a:rPr>
                             <m:t>)</m:t>
                           </m:r>
                         </m:e>
@@ -16665,7 +17306,7 @@
             </p:txBody>
           </p:sp>
         </mc:Choice>
-        <mc:Fallback>
+        <mc:Fallback xmlns="">
           <p:sp>
             <p:nvSpPr>
               <p:cNvPr id="3" name="Объект 2"/>
